--- a/TG1_final.pptx
+++ b/TG1_final.pptx
@@ -5,69 +5,70 @@
     <p:sldMasterId id="2147483657" r:id="rId1"/>
   </p:sldMasterIdLst>
   <p:notesMasterIdLst>
-    <p:notesMasterId r:id="rId34"/>
+    <p:notesMasterId r:id="rId35"/>
   </p:notesMasterIdLst>
   <p:sldIdLst>
     <p:sldId id="256" r:id="rId2"/>
     <p:sldId id="258" r:id="rId3"/>
     <p:sldId id="285" r:id="rId4"/>
     <p:sldId id="287" r:id="rId5"/>
-    <p:sldId id="288" r:id="rId6"/>
-    <p:sldId id="301" r:id="rId7"/>
-    <p:sldId id="307" r:id="rId8"/>
-    <p:sldId id="308" r:id="rId9"/>
-    <p:sldId id="259" r:id="rId10"/>
-    <p:sldId id="306" r:id="rId11"/>
-    <p:sldId id="257" r:id="rId12"/>
-    <p:sldId id="299" r:id="rId13"/>
-    <p:sldId id="298" r:id="rId14"/>
-    <p:sldId id="300" r:id="rId15"/>
-    <p:sldId id="289" r:id="rId16"/>
-    <p:sldId id="304" r:id="rId17"/>
-    <p:sldId id="302" r:id="rId18"/>
-    <p:sldId id="303" r:id="rId19"/>
-    <p:sldId id="284" r:id="rId20"/>
-    <p:sldId id="305" r:id="rId21"/>
-    <p:sldId id="293" r:id="rId22"/>
-    <p:sldId id="294" r:id="rId23"/>
-    <p:sldId id="295" r:id="rId24"/>
-    <p:sldId id="296" r:id="rId25"/>
-    <p:sldId id="297" r:id="rId26"/>
-    <p:sldId id="290" r:id="rId27"/>
-    <p:sldId id="309" r:id="rId28"/>
-    <p:sldId id="310" r:id="rId29"/>
-    <p:sldId id="291" r:id="rId30"/>
-    <p:sldId id="311" r:id="rId31"/>
-    <p:sldId id="312" r:id="rId32"/>
-    <p:sldId id="292" r:id="rId33"/>
+    <p:sldId id="313" r:id="rId6"/>
+    <p:sldId id="288" r:id="rId7"/>
+    <p:sldId id="301" r:id="rId8"/>
+    <p:sldId id="307" r:id="rId9"/>
+    <p:sldId id="308" r:id="rId10"/>
+    <p:sldId id="259" r:id="rId11"/>
+    <p:sldId id="306" r:id="rId12"/>
+    <p:sldId id="257" r:id="rId13"/>
+    <p:sldId id="299" r:id="rId14"/>
+    <p:sldId id="298" r:id="rId15"/>
+    <p:sldId id="300" r:id="rId16"/>
+    <p:sldId id="289" r:id="rId17"/>
+    <p:sldId id="304" r:id="rId18"/>
+    <p:sldId id="302" r:id="rId19"/>
+    <p:sldId id="303" r:id="rId20"/>
+    <p:sldId id="284" r:id="rId21"/>
+    <p:sldId id="305" r:id="rId22"/>
+    <p:sldId id="293" r:id="rId23"/>
+    <p:sldId id="294" r:id="rId24"/>
+    <p:sldId id="295" r:id="rId25"/>
+    <p:sldId id="296" r:id="rId26"/>
+    <p:sldId id="297" r:id="rId27"/>
+    <p:sldId id="290" r:id="rId28"/>
+    <p:sldId id="309" r:id="rId29"/>
+    <p:sldId id="310" r:id="rId30"/>
+    <p:sldId id="291" r:id="rId31"/>
+    <p:sldId id="311" r:id="rId32"/>
+    <p:sldId id="312" r:id="rId33"/>
+    <p:sldId id="292" r:id="rId34"/>
   </p:sldIdLst>
   <p:sldSz cx="9144000" cy="5143500" type="screen16x9"/>
   <p:notesSz cx="6858000" cy="9144000"/>
   <p:embeddedFontLst>
     <p:embeddedFont>
       <p:font typeface="Arvo" panose="020B0604020202020204" charset="0"/>
-      <p:regular r:id="rId35"/>
-      <p:bold r:id="rId36"/>
-      <p:italic r:id="rId37"/>
-      <p:boldItalic r:id="rId38"/>
+      <p:regular r:id="rId36"/>
+      <p:bold r:id="rId37"/>
+      <p:italic r:id="rId38"/>
+      <p:boldItalic r:id="rId39"/>
     </p:embeddedFont>
     <p:embeddedFont>
       <p:font typeface="Eras Demi ITC" panose="020B0805030504020804" pitchFamily="34" charset="0"/>
-      <p:regular r:id="rId39"/>
+      <p:regular r:id="rId40"/>
     </p:embeddedFont>
     <p:embeddedFont>
       <p:font typeface="Roboto Condensed" panose="020B0604020202020204" charset="0"/>
-      <p:regular r:id="rId40"/>
-      <p:bold r:id="rId41"/>
-      <p:italic r:id="rId42"/>
-      <p:boldItalic r:id="rId43"/>
+      <p:regular r:id="rId41"/>
+      <p:bold r:id="rId42"/>
+      <p:italic r:id="rId43"/>
+      <p:boldItalic r:id="rId44"/>
     </p:embeddedFont>
     <p:embeddedFont>
       <p:font typeface="Roboto Condensed Light" panose="020B0604020202020204" charset="0"/>
-      <p:regular r:id="rId44"/>
-      <p:bold r:id="rId45"/>
-      <p:italic r:id="rId46"/>
-      <p:boldItalic r:id="rId47"/>
+      <p:regular r:id="rId45"/>
+      <p:bold r:id="rId46"/>
+      <p:italic r:id="rId47"/>
+      <p:boldItalic r:id="rId48"/>
     </p:embeddedFont>
   </p:embeddedFontLst>
   <p:defaultTextStyle>
@@ -299,16 +300,18 @@
       </a:defRPr>
     </a:lvl9pPr>
   </p:defaultTextStyle>
+  <p:extLst>
+    <p:ext uri="{EFAFB233-063F-42B5-8137-9DF3F51BA10A}">
+      <p15:sldGuideLst xmlns:p15="http://schemas.microsoft.com/office/powerpoint/2012/main"/>
+    </p:ext>
+  </p:extLst>
 </p:presentation>
 </file>
 
 <file path=ppt/revisionInfo.xml><?xml version="1.0" encoding="utf-8"?>
 <p1510:revInfo xmlns:a="http://schemas.openxmlformats.org/drawingml/2006/main" xmlns:r="http://schemas.openxmlformats.org/officeDocument/2006/relationships" xmlns:p1510="http://schemas.microsoft.com/office/powerpoint/2015/10/main">
   <p1510:revLst>
-    <p1510:client id="{39D50168-2CED-4D0A-B8D8-8530AFD62016}" v="1" dt="2019-03-17T23:33:38.638"/>
-    <p1510:client id="{BAC0D09E-D79E-4F2E-9292-EF70929B1BC4}" v="1" dt="2019-03-18T09:03:38.240"/>
-    <p1510:client id="{F20E6847-80EF-4DDC-8441-3084F16D2892}" v="100" dt="2019-03-18T19:53:33.201"/>
-    <p1510:client id="{4109423B-2A40-406F-820E-C342DB6A7AF1}" v="1" dt="2019-03-18T12:31:41.024"/>
+    <p1510:client id="{47A93C93-CB02-4394-8774-23A3FA678B86}" v="2" dt="2019-03-20T10:48:06.593"/>
   </p1510:revLst>
 </p1510:revInfo>
 </file>
@@ -322,213 +325,76 @@
       <pc:docMkLst>
         <pc:docMk/>
       </pc:docMkLst>
-      <pc:sldChg chg="del">
-        <pc:chgData name="Rubén Rodríguez" userId="6bd7c66389aa8efd" providerId="LiveId" clId="{12377568-F529-4FC2-A453-36CE9AE8735E}" dt="2019-03-18T20:16:13.949" v="26" actId="2696"/>
-        <pc:sldMkLst>
-          <pc:docMk/>
-          <pc:sldMk cId="0" sldId="260"/>
-        </pc:sldMkLst>
-      </pc:sldChg>
-      <pc:sldChg chg="del">
-        <pc:chgData name="Rubén Rodríguez" userId="6bd7c66389aa8efd" providerId="LiveId" clId="{12377568-F529-4FC2-A453-36CE9AE8735E}" dt="2019-03-18T20:16:13.451" v="25" actId="2696"/>
-        <pc:sldMkLst>
-          <pc:docMk/>
-          <pc:sldMk cId="0" sldId="261"/>
-        </pc:sldMkLst>
-      </pc:sldChg>
-      <pc:sldChg chg="del">
-        <pc:chgData name="Rubén Rodríguez" userId="6bd7c66389aa8efd" providerId="LiveId" clId="{12377568-F529-4FC2-A453-36CE9AE8735E}" dt="2019-03-18T20:16:12.927" v="24" actId="2696"/>
-        <pc:sldMkLst>
-          <pc:docMk/>
-          <pc:sldMk cId="0" sldId="262"/>
-        </pc:sldMkLst>
-      </pc:sldChg>
-      <pc:sldChg chg="del">
-        <pc:chgData name="Rubén Rodríguez" userId="6bd7c66389aa8efd" providerId="LiveId" clId="{12377568-F529-4FC2-A453-36CE9AE8735E}" dt="2019-03-18T20:16:12.235" v="23" actId="2696"/>
-        <pc:sldMkLst>
-          <pc:docMk/>
-          <pc:sldMk cId="0" sldId="263"/>
-        </pc:sldMkLst>
-      </pc:sldChg>
-      <pc:sldChg chg="del">
-        <pc:chgData name="Rubén Rodríguez" userId="6bd7c66389aa8efd" providerId="LiveId" clId="{12377568-F529-4FC2-A453-36CE9AE8735E}" dt="2019-03-18T20:16:11.924" v="21" actId="2696"/>
-        <pc:sldMkLst>
-          <pc:docMk/>
-          <pc:sldMk cId="0" sldId="264"/>
-        </pc:sldMkLst>
-      </pc:sldChg>
-      <pc:sldChg chg="del">
-        <pc:chgData name="Rubén Rodríguez" userId="6bd7c66389aa8efd" providerId="LiveId" clId="{12377568-F529-4FC2-A453-36CE9AE8735E}" dt="2019-03-18T20:16:11.604" v="20" actId="2696"/>
-        <pc:sldMkLst>
-          <pc:docMk/>
-          <pc:sldMk cId="0" sldId="265"/>
-        </pc:sldMkLst>
-      </pc:sldChg>
-      <pc:sldChg chg="del">
-        <pc:chgData name="Rubén Rodríguez" userId="6bd7c66389aa8efd" providerId="LiveId" clId="{12377568-F529-4FC2-A453-36CE9AE8735E}" dt="2019-03-18T20:16:11.187" v="19" actId="2696"/>
-        <pc:sldMkLst>
-          <pc:docMk/>
-          <pc:sldMk cId="0" sldId="266"/>
-        </pc:sldMkLst>
-      </pc:sldChg>
-      <pc:sldChg chg="del">
-        <pc:chgData name="Rubén Rodríguez" userId="6bd7c66389aa8efd" providerId="LiveId" clId="{12377568-F529-4FC2-A453-36CE9AE8735E}" dt="2019-03-18T20:16:10.857" v="17" actId="2696"/>
-        <pc:sldMkLst>
-          <pc:docMk/>
-          <pc:sldMk cId="0" sldId="267"/>
-        </pc:sldMkLst>
-      </pc:sldChg>
-      <pc:sldChg chg="del">
-        <pc:chgData name="Rubén Rodríguez" userId="6bd7c66389aa8efd" providerId="LiveId" clId="{12377568-F529-4FC2-A453-36CE9AE8735E}" dt="2019-03-18T20:16:10.516" v="16" actId="2696"/>
-        <pc:sldMkLst>
-          <pc:docMk/>
-          <pc:sldMk cId="0" sldId="268"/>
-        </pc:sldMkLst>
-      </pc:sldChg>
-      <pc:sldChg chg="del">
-        <pc:chgData name="Rubén Rodríguez" userId="6bd7c66389aa8efd" providerId="LiveId" clId="{12377568-F529-4FC2-A453-36CE9AE8735E}" dt="2019-03-18T20:16:10.180" v="15" actId="2696"/>
-        <pc:sldMkLst>
-          <pc:docMk/>
-          <pc:sldMk cId="0" sldId="269"/>
-        </pc:sldMkLst>
-      </pc:sldChg>
-      <pc:sldChg chg="del">
-        <pc:chgData name="Rubén Rodríguez" userId="6bd7c66389aa8efd" providerId="LiveId" clId="{12377568-F529-4FC2-A453-36CE9AE8735E}" dt="2019-03-18T20:16:09.847" v="14" actId="2696"/>
-        <pc:sldMkLst>
-          <pc:docMk/>
-          <pc:sldMk cId="0" sldId="270"/>
-        </pc:sldMkLst>
-      </pc:sldChg>
-      <pc:sldChg chg="del">
-        <pc:chgData name="Rubén Rodríguez" userId="6bd7c66389aa8efd" providerId="LiveId" clId="{12377568-F529-4FC2-A453-36CE9AE8735E}" dt="2019-03-18T20:16:09.651" v="13" actId="2696"/>
-        <pc:sldMkLst>
-          <pc:docMk/>
-          <pc:sldMk cId="0" sldId="271"/>
-        </pc:sldMkLst>
-      </pc:sldChg>
-      <pc:sldChg chg="del">
-        <pc:chgData name="Rubén Rodríguez" userId="6bd7c66389aa8efd" providerId="LiveId" clId="{12377568-F529-4FC2-A453-36CE9AE8735E}" dt="2019-03-18T20:16:09.433" v="12" actId="2696"/>
-        <pc:sldMkLst>
-          <pc:docMk/>
-          <pc:sldMk cId="0" sldId="272"/>
-        </pc:sldMkLst>
-      </pc:sldChg>
-      <pc:sldChg chg="del">
-        <pc:chgData name="Rubén Rodríguez" userId="6bd7c66389aa8efd" providerId="LiveId" clId="{12377568-F529-4FC2-A453-36CE9AE8735E}" dt="2019-03-18T20:16:09.200" v="11" actId="2696"/>
-        <pc:sldMkLst>
-          <pc:docMk/>
-          <pc:sldMk cId="0" sldId="273"/>
-        </pc:sldMkLst>
-      </pc:sldChg>
-      <pc:sldChg chg="del">
-        <pc:chgData name="Rubén Rodríguez" userId="6bd7c66389aa8efd" providerId="LiveId" clId="{12377568-F529-4FC2-A453-36CE9AE8735E}" dt="2019-03-18T20:16:09.173" v="9" actId="2696"/>
-        <pc:sldMkLst>
-          <pc:docMk/>
-          <pc:sldMk cId="0" sldId="274"/>
-        </pc:sldMkLst>
-      </pc:sldChg>
-      <pc:sldChg chg="del">
-        <pc:chgData name="Rubén Rodríguez" userId="6bd7c66389aa8efd" providerId="LiveId" clId="{12377568-F529-4FC2-A453-36CE9AE8735E}" dt="2019-03-18T20:16:08.822" v="8" actId="2696"/>
-        <pc:sldMkLst>
-          <pc:docMk/>
-          <pc:sldMk cId="0" sldId="275"/>
-        </pc:sldMkLst>
-      </pc:sldChg>
-      <pc:sldChg chg="del">
-        <pc:chgData name="Rubén Rodríguez" userId="6bd7c66389aa8efd" providerId="LiveId" clId="{12377568-F529-4FC2-A453-36CE9AE8735E}" dt="2019-03-18T20:16:08.562" v="7" actId="2696"/>
-        <pc:sldMkLst>
-          <pc:docMk/>
-          <pc:sldMk cId="0" sldId="276"/>
-        </pc:sldMkLst>
-      </pc:sldChg>
-      <pc:sldChg chg="del">
-        <pc:chgData name="Rubén Rodríguez" userId="6bd7c66389aa8efd" providerId="LiveId" clId="{12377568-F529-4FC2-A453-36CE9AE8735E}" dt="2019-03-18T20:16:08.441" v="6" actId="2696"/>
-        <pc:sldMkLst>
-          <pc:docMk/>
-          <pc:sldMk cId="0" sldId="277"/>
-        </pc:sldMkLst>
-      </pc:sldChg>
-      <pc:sldChg chg="del">
-        <pc:chgData name="Rubén Rodríguez" userId="6bd7c66389aa8efd" providerId="LiveId" clId="{12377568-F529-4FC2-A453-36CE9AE8735E}" dt="2019-03-18T20:16:08.220" v="5" actId="2696"/>
-        <pc:sldMkLst>
-          <pc:docMk/>
-          <pc:sldMk cId="0" sldId="278"/>
-        </pc:sldMkLst>
-      </pc:sldChg>
-      <pc:sldChg chg="del">
-        <pc:chgData name="Rubén Rodríguez" userId="6bd7c66389aa8efd" providerId="LiveId" clId="{12377568-F529-4FC2-A453-36CE9AE8735E}" dt="2019-03-18T20:16:08.088" v="4" actId="2696"/>
-        <pc:sldMkLst>
-          <pc:docMk/>
-          <pc:sldMk cId="0" sldId="279"/>
-        </pc:sldMkLst>
-      </pc:sldChg>
-      <pc:sldChg chg="del">
-        <pc:chgData name="Rubén Rodríguez" userId="6bd7c66389aa8efd" providerId="LiveId" clId="{12377568-F529-4FC2-A453-36CE9AE8735E}" dt="2019-03-18T20:16:07.876" v="3" actId="2696"/>
-        <pc:sldMkLst>
-          <pc:docMk/>
-          <pc:sldMk cId="0" sldId="280"/>
-        </pc:sldMkLst>
-      </pc:sldChg>
-      <pc:sldChg chg="del">
-        <pc:chgData name="Rubén Rodríguez" userId="6bd7c66389aa8efd" providerId="LiveId" clId="{12377568-F529-4FC2-A453-36CE9AE8735E}" dt="2019-03-18T20:16:07.700" v="2" actId="2696"/>
-        <pc:sldMkLst>
-          <pc:docMk/>
-          <pc:sldMk cId="0" sldId="281"/>
-        </pc:sldMkLst>
-      </pc:sldChg>
-      <pc:sldChg chg="del">
-        <pc:chgData name="Rubén Rodríguez" userId="6bd7c66389aa8efd" providerId="LiveId" clId="{12377568-F529-4FC2-A453-36CE9AE8735E}" dt="2019-03-18T20:16:07.572" v="1" actId="2696"/>
-        <pc:sldMkLst>
-          <pc:docMk/>
-          <pc:sldMk cId="0" sldId="282"/>
-        </pc:sldMkLst>
-      </pc:sldChg>
-      <pc:sldChg chg="del">
-        <pc:chgData name="Rubén Rodríguez" userId="6bd7c66389aa8efd" providerId="LiveId" clId="{12377568-F529-4FC2-A453-36CE9AE8735E}" dt="2019-03-18T20:16:07.137" v="0" actId="2696"/>
-        <pc:sldMkLst>
-          <pc:docMk/>
-          <pc:sldMk cId="0" sldId="283"/>
-        </pc:sldMkLst>
-      </pc:sldChg>
       <pc:sldMasterChg chg="delSldLayout">
         <pc:chgData name="Rubén Rodríguez" userId="6bd7c66389aa8efd" providerId="LiveId" clId="{12377568-F529-4FC2-A453-36CE9AE8735E}" dt="2019-03-18T20:16:13.951" v="27" actId="2696"/>
         <pc:sldMasterMkLst>
           <pc:docMk/>
           <pc:sldMasterMk cId="0" sldId="2147483657"/>
         </pc:sldMasterMkLst>
-        <pc:sldLayoutChg chg="del">
-          <pc:chgData name="Rubén Rodríguez" userId="6bd7c66389aa8efd" providerId="LiveId" clId="{12377568-F529-4FC2-A453-36CE9AE8735E}" dt="2019-03-18T20:16:13.951" v="27" actId="2696"/>
-          <pc:sldLayoutMkLst>
+      </pc:sldMasterChg>
+    </pc:docChg>
+  </pc:docChgLst>
+  <pc:docChgLst>
+    <pc:chgData name="Rubén Rodríguez" userId="6bd7c66389aa8efd" providerId="LiveId" clId="{47A93C93-CB02-4394-8774-23A3FA678B86}"/>
+    <pc:docChg chg="custSel addSld modSld">
+      <pc:chgData name="Rubén Rodríguez" userId="6bd7c66389aa8efd" providerId="LiveId" clId="{47A93C93-CB02-4394-8774-23A3FA678B86}" dt="2019-03-20T10:57:04.531" v="13" actId="478"/>
+      <pc:docMkLst>
+        <pc:docMk/>
+      </pc:docMkLst>
+      <pc:sldChg chg="delSp">
+        <pc:chgData name="Rubén Rodríguez" userId="6bd7c66389aa8efd" providerId="LiveId" clId="{47A93C93-CB02-4394-8774-23A3FA678B86}" dt="2019-03-20T10:57:04.531" v="13" actId="478"/>
+        <pc:sldMkLst>
+          <pc:docMk/>
+          <pc:sldMk cId="894326464" sldId="287"/>
+        </pc:sldMkLst>
+        <pc:spChg chg="del">
+          <ac:chgData name="Rubén Rodríguez" userId="6bd7c66389aa8efd" providerId="LiveId" clId="{47A93C93-CB02-4394-8774-23A3FA678B86}" dt="2019-03-20T10:57:04.531" v="13" actId="478"/>
+          <ac:spMkLst>
             <pc:docMk/>
-            <pc:sldMasterMk cId="0" sldId="2147483657"/>
-            <pc:sldLayoutMk cId="0" sldId="2147483650"/>
-          </pc:sldLayoutMkLst>
-        </pc:sldLayoutChg>
-        <pc:sldLayoutChg chg="del">
-          <pc:chgData name="Rubén Rodríguez" userId="6bd7c66389aa8efd" providerId="LiveId" clId="{12377568-F529-4FC2-A453-36CE9AE8735E}" dt="2019-03-18T20:16:11.926" v="22" actId="2696"/>
-          <pc:sldLayoutMkLst>
+            <pc:sldMk cId="894326464" sldId="287"/>
+            <ac:spMk id="8" creationId="{6B696AF6-15EA-4725-9826-E73E81B3A13B}"/>
+          </ac:spMkLst>
+        </pc:spChg>
+      </pc:sldChg>
+      <pc:sldChg chg="addSp delSp modSp add">
+        <pc:chgData name="Rubén Rodríguez" userId="6bd7c66389aa8efd" providerId="LiveId" clId="{47A93C93-CB02-4394-8774-23A3FA678B86}" dt="2019-03-20T10:48:21.680" v="12" actId="1035"/>
+        <pc:sldMkLst>
+          <pc:docMk/>
+          <pc:sldMk cId="2193141630" sldId="313"/>
+        </pc:sldMkLst>
+        <pc:spChg chg="del">
+          <ac:chgData name="Rubén Rodríguez" userId="6bd7c66389aa8efd" providerId="LiveId" clId="{47A93C93-CB02-4394-8774-23A3FA678B86}" dt="2019-03-20T10:47:51.727" v="1" actId="478"/>
+          <ac:spMkLst>
             <pc:docMk/>
-            <pc:sldMasterMk cId="0" sldId="2147483657"/>
-            <pc:sldLayoutMk cId="0" sldId="2147483653"/>
-          </pc:sldLayoutMkLst>
-        </pc:sldLayoutChg>
-        <pc:sldLayoutChg chg="del">
-          <pc:chgData name="Rubén Rodríguez" userId="6bd7c66389aa8efd" providerId="LiveId" clId="{12377568-F529-4FC2-A453-36CE9AE8735E}" dt="2019-03-18T20:16:10.860" v="18" actId="2696"/>
-          <pc:sldLayoutMkLst>
+            <pc:sldMk cId="2193141630" sldId="313"/>
+            <ac:spMk id="2" creationId="{29999F93-1E70-4189-83B6-50688FD607F0}"/>
+          </ac:spMkLst>
+        </pc:spChg>
+        <pc:spChg chg="mod">
+          <ac:chgData name="Rubén Rodríguez" userId="6bd7c66389aa8efd" providerId="LiveId" clId="{47A93C93-CB02-4394-8774-23A3FA678B86}" dt="2019-03-20T10:47:59.860" v="4" actId="1076"/>
+          <ac:spMkLst>
             <pc:docMk/>
-            <pc:sldMasterMk cId="0" sldId="2147483657"/>
-            <pc:sldLayoutMk cId="0" sldId="2147483654"/>
-          </pc:sldLayoutMkLst>
-        </pc:sldLayoutChg>
-        <pc:sldLayoutChg chg="del">
-          <pc:chgData name="Rubén Rodríguez" userId="6bd7c66389aa8efd" providerId="LiveId" clId="{12377568-F529-4FC2-A453-36CE9AE8735E}" dt="2019-03-18T20:16:09.175" v="10" actId="2696"/>
-          <pc:sldLayoutMkLst>
+            <pc:sldMk cId="2193141630" sldId="313"/>
+            <ac:spMk id="8" creationId="{6B696AF6-15EA-4725-9826-E73E81B3A13B}"/>
+          </ac:spMkLst>
+        </pc:spChg>
+        <pc:spChg chg="del mod">
+          <ac:chgData name="Rubén Rodríguez" userId="6bd7c66389aa8efd" providerId="LiveId" clId="{47A93C93-CB02-4394-8774-23A3FA678B86}" dt="2019-03-20T10:47:54.597" v="3" actId="478"/>
+          <ac:spMkLst>
             <pc:docMk/>
-            <pc:sldMasterMk cId="0" sldId="2147483657"/>
-            <pc:sldLayoutMk cId="0" sldId="2147483655"/>
-          </pc:sldLayoutMkLst>
-        </pc:sldLayoutChg>
-      </pc:sldMasterChg>
+            <pc:sldMk cId="2193141630" sldId="313"/>
+            <ac:spMk id="9" creationId="{B571218D-6E31-470B-AA66-F6D2168D683B}"/>
+          </ac:spMkLst>
+        </pc:spChg>
+        <pc:picChg chg="add mod">
+          <ac:chgData name="Rubén Rodríguez" userId="6bd7c66389aa8efd" providerId="LiveId" clId="{47A93C93-CB02-4394-8774-23A3FA678B86}" dt="2019-03-20T10:48:21.680" v="12" actId="1035"/>
+          <ac:picMkLst>
+            <pc:docMk/>
+            <pc:sldMk cId="2193141630" sldId="313"/>
+            <ac:picMk id="6" creationId="{802D3F64-F81F-47DF-9B59-20D4E899088B}"/>
+          </ac:picMkLst>
+        </pc:picChg>
+      </pc:sldChg>
     </pc:docChg>
   </pc:docChgLst>
 </pc:chgInfo>
@@ -1082,7 +948,7 @@
   <p:cSld>
     <p:spTree>
       <p:nvGrpSpPr>
-        <p:cNvPr id="1" name="Shape 185"/>
+        <p:cNvPr id="1" name="Shape 217"/>
         <p:cNvGrpSpPr/>
         <p:nvPr/>
       </p:nvGrpSpPr>
@@ -1096,7 +962,7 @@
       </p:grpSpPr>
       <p:sp>
         <p:nvSpPr>
-          <p:cNvPr id="186" name="Google Shape;186;g3606f1c2d_30:notes"/>
+          <p:cNvPr id="218" name="Google Shape;218;g35f391192_029:notes"/>
           <p:cNvSpPr>
             <a:spLocks noGrp="1" noRot="1" noChangeAspect="1"/>
           </p:cNvSpPr>
@@ -1137,7 +1003,7 @@
       </p:sp>
       <p:sp>
         <p:nvSpPr>
-          <p:cNvPr id="187" name="Google Shape;187;g3606f1c2d_30:notes"/>
+          <p:cNvPr id="219" name="Google Shape;219;g35f391192_029:notes"/>
           <p:cNvSpPr txBox="1">
             <a:spLocks noGrp="1"/>
           </p:cNvSpPr>
@@ -1176,7 +1042,7 @@
     </p:spTree>
     <p:extLst>
       <p:ext uri="{BB962C8B-B14F-4D97-AF65-F5344CB8AC3E}">
-        <p14:creationId xmlns:p14="http://schemas.microsoft.com/office/powerpoint/2010/main" val="2299942437"/>
+        <p14:creationId xmlns:p14="http://schemas.microsoft.com/office/powerpoint/2010/main" val="3855845685"/>
       </p:ext>
     </p:extLst>
   </p:cSld>
@@ -1285,7 +1151,7 @@
     </p:spTree>
     <p:extLst>
       <p:ext uri="{BB962C8B-B14F-4D97-AF65-F5344CB8AC3E}">
-        <p14:creationId xmlns:p14="http://schemas.microsoft.com/office/powerpoint/2010/main" val="2860421282"/>
+        <p14:creationId xmlns:p14="http://schemas.microsoft.com/office/powerpoint/2010/main" val="2299942437"/>
       </p:ext>
     </p:extLst>
   </p:cSld>
@@ -1394,6 +1260,115 @@
     </p:spTree>
     <p:extLst>
       <p:ext uri="{BB962C8B-B14F-4D97-AF65-F5344CB8AC3E}">
+        <p14:creationId xmlns:p14="http://schemas.microsoft.com/office/powerpoint/2010/main" val="2860421282"/>
+      </p:ext>
+    </p:extLst>
+  </p:cSld>
+  <p:clrMapOvr>
+    <a:masterClrMapping/>
+  </p:clrMapOvr>
+</p:notes>
+</file>
+
+<file path=ppt/notesSlides/notesSlide13.xml><?xml version="1.0" encoding="utf-8"?>
+<p:notes xmlns:a="http://schemas.openxmlformats.org/drawingml/2006/main" xmlns:r="http://schemas.openxmlformats.org/officeDocument/2006/relationships" xmlns:p="http://schemas.openxmlformats.org/presentationml/2006/main" showMasterSp="0" showMasterPhAnim="0">
+  <p:cSld>
+    <p:spTree>
+      <p:nvGrpSpPr>
+        <p:cNvPr id="1" name="Shape 185"/>
+        <p:cNvGrpSpPr/>
+        <p:nvPr/>
+      </p:nvGrpSpPr>
+      <p:grpSpPr>
+        <a:xfrm>
+          <a:off x="0" y="0"/>
+          <a:ext cx="0" cy="0"/>
+          <a:chOff x="0" y="0"/>
+          <a:chExt cx="0" cy="0"/>
+        </a:xfrm>
+      </p:grpSpPr>
+      <p:sp>
+        <p:nvSpPr>
+          <p:cNvPr id="186" name="Google Shape;186;g3606f1c2d_30:notes"/>
+          <p:cNvSpPr>
+            <a:spLocks noGrp="1" noRot="1" noChangeAspect="1"/>
+          </p:cNvSpPr>
+          <p:nvPr>
+            <p:ph type="sldImg" idx="2"/>
+          </p:nvPr>
+        </p:nvSpPr>
+        <p:spPr>
+          <a:xfrm>
+            <a:off x="381000" y="685800"/>
+            <a:ext cx="6096000" cy="3429000"/>
+          </a:xfrm>
+          <a:custGeom>
+            <a:avLst/>
+            <a:gdLst/>
+            <a:ahLst/>
+            <a:cxnLst/>
+            <a:rect l="l" t="t" r="r" b="b"/>
+            <a:pathLst>
+              <a:path w="120000" h="120000" extrusionOk="0">
+                <a:moveTo>
+                  <a:pt x="0" y="0"/>
+                </a:moveTo>
+                <a:lnTo>
+                  <a:pt x="120000" y="0"/>
+                </a:lnTo>
+                <a:lnTo>
+                  <a:pt x="120000" y="120000"/>
+                </a:lnTo>
+                <a:lnTo>
+                  <a:pt x="0" y="120000"/>
+                </a:lnTo>
+                <a:close/>
+              </a:path>
+            </a:pathLst>
+          </a:custGeom>
+        </p:spPr>
+      </p:sp>
+      <p:sp>
+        <p:nvSpPr>
+          <p:cNvPr id="187" name="Google Shape;187;g3606f1c2d_30:notes"/>
+          <p:cNvSpPr txBox="1">
+            <a:spLocks noGrp="1"/>
+          </p:cNvSpPr>
+          <p:nvPr>
+            <p:ph type="body" idx="1"/>
+          </p:nvPr>
+        </p:nvSpPr>
+        <p:spPr>
+          <a:xfrm>
+            <a:off x="685800" y="4343400"/>
+            <a:ext cx="5486400" cy="4114800"/>
+          </a:xfrm>
+          <a:prstGeom prst="rect">
+            <a:avLst/>
+          </a:prstGeom>
+        </p:spPr>
+        <p:txBody>
+          <a:bodyPr spcFirstLastPara="1" wrap="square" lIns="91425" tIns="91425" rIns="91425" bIns="91425" anchor="t" anchorCtr="0">
+            <a:noAutofit/>
+          </a:bodyPr>
+          <a:lstStyle/>
+          <a:p>
+            <a:pPr marL="0" lvl="0" indent="0" algn="l" rtl="0">
+              <a:spcBef>
+                <a:spcPts val="0"/>
+              </a:spcBef>
+              <a:spcAft>
+                <a:spcPts val="0"/>
+              </a:spcAft>
+              <a:buNone/>
+            </a:pPr>
+            <a:endParaRPr/>
+          </a:p>
+        </p:txBody>
+      </p:sp>
+    </p:spTree>
+    <p:extLst>
+      <p:ext uri="{BB962C8B-B14F-4D97-AF65-F5344CB8AC3E}">
         <p14:creationId xmlns:p14="http://schemas.microsoft.com/office/powerpoint/2010/main" val="459528938"/>
       </p:ext>
     </p:extLst>
@@ -1404,7 +1379,7 @@
 </p:notes>
 </file>
 
-<file path=ppt/notesSlides/notesSlide13.xml><?xml version="1.0" encoding="utf-8"?>
+<file path=ppt/notesSlides/notesSlide14.xml><?xml version="1.0" encoding="utf-8"?>
 <p:notes xmlns:a="http://schemas.openxmlformats.org/drawingml/2006/main" xmlns:r="http://schemas.openxmlformats.org/officeDocument/2006/relationships" xmlns:p="http://schemas.openxmlformats.org/presentationml/2006/main" showMasterSp="0" showMasterPhAnim="0">
   <p:cSld>
     <p:spTree>
@@ -1504,115 +1479,6 @@
     <p:extLst>
       <p:ext uri="{BB962C8B-B14F-4D97-AF65-F5344CB8AC3E}">
         <p14:creationId xmlns:p14="http://schemas.microsoft.com/office/powerpoint/2010/main" val="4291662939"/>
-      </p:ext>
-    </p:extLst>
-  </p:cSld>
-  <p:clrMapOvr>
-    <a:masterClrMapping/>
-  </p:clrMapOvr>
-</p:notes>
-</file>
-
-<file path=ppt/notesSlides/notesSlide14.xml><?xml version="1.0" encoding="utf-8"?>
-<p:notes xmlns:a="http://schemas.openxmlformats.org/drawingml/2006/main" xmlns:r="http://schemas.openxmlformats.org/officeDocument/2006/relationships" xmlns:p="http://schemas.openxmlformats.org/presentationml/2006/main" showMasterSp="0" showMasterPhAnim="0">
-  <p:cSld>
-    <p:spTree>
-      <p:nvGrpSpPr>
-        <p:cNvPr id="1" name="Shape 185"/>
-        <p:cNvGrpSpPr/>
-        <p:nvPr/>
-      </p:nvGrpSpPr>
-      <p:grpSpPr>
-        <a:xfrm>
-          <a:off x="0" y="0"/>
-          <a:ext cx="0" cy="0"/>
-          <a:chOff x="0" y="0"/>
-          <a:chExt cx="0" cy="0"/>
-        </a:xfrm>
-      </p:grpSpPr>
-      <p:sp>
-        <p:nvSpPr>
-          <p:cNvPr id="186" name="Google Shape;186;g3606f1c2d_30:notes"/>
-          <p:cNvSpPr>
-            <a:spLocks noGrp="1" noRot="1" noChangeAspect="1"/>
-          </p:cNvSpPr>
-          <p:nvPr>
-            <p:ph type="sldImg" idx="2"/>
-          </p:nvPr>
-        </p:nvSpPr>
-        <p:spPr>
-          <a:xfrm>
-            <a:off x="381000" y="685800"/>
-            <a:ext cx="6096000" cy="3429000"/>
-          </a:xfrm>
-          <a:custGeom>
-            <a:avLst/>
-            <a:gdLst/>
-            <a:ahLst/>
-            <a:cxnLst/>
-            <a:rect l="l" t="t" r="r" b="b"/>
-            <a:pathLst>
-              <a:path w="120000" h="120000" extrusionOk="0">
-                <a:moveTo>
-                  <a:pt x="0" y="0"/>
-                </a:moveTo>
-                <a:lnTo>
-                  <a:pt x="120000" y="0"/>
-                </a:lnTo>
-                <a:lnTo>
-                  <a:pt x="120000" y="120000"/>
-                </a:lnTo>
-                <a:lnTo>
-                  <a:pt x="0" y="120000"/>
-                </a:lnTo>
-                <a:close/>
-              </a:path>
-            </a:pathLst>
-          </a:custGeom>
-        </p:spPr>
-      </p:sp>
-      <p:sp>
-        <p:nvSpPr>
-          <p:cNvPr id="187" name="Google Shape;187;g3606f1c2d_30:notes"/>
-          <p:cNvSpPr txBox="1">
-            <a:spLocks noGrp="1"/>
-          </p:cNvSpPr>
-          <p:nvPr>
-            <p:ph type="body" idx="1"/>
-          </p:nvPr>
-        </p:nvSpPr>
-        <p:spPr>
-          <a:xfrm>
-            <a:off x="685800" y="4343400"/>
-            <a:ext cx="5486400" cy="4114800"/>
-          </a:xfrm>
-          <a:prstGeom prst="rect">
-            <a:avLst/>
-          </a:prstGeom>
-        </p:spPr>
-        <p:txBody>
-          <a:bodyPr spcFirstLastPara="1" wrap="square" lIns="91425" tIns="91425" rIns="91425" bIns="91425" anchor="t" anchorCtr="0">
-            <a:noAutofit/>
-          </a:bodyPr>
-          <a:lstStyle/>
-          <a:p>
-            <a:pPr marL="0" lvl="0" indent="0" algn="l" rtl="0">
-              <a:spcBef>
-                <a:spcPts val="0"/>
-              </a:spcBef>
-              <a:spcAft>
-                <a:spcPts val="0"/>
-              </a:spcAft>
-              <a:buNone/>
-            </a:pPr>
-            <a:endParaRPr/>
-          </a:p>
-        </p:txBody>
-      </p:sp>
-    </p:spTree>
-    <p:extLst>
-      <p:ext uri="{BB962C8B-B14F-4D97-AF65-F5344CB8AC3E}">
-        <p14:creationId xmlns:p14="http://schemas.microsoft.com/office/powerpoint/2010/main" val="311274090"/>
       </p:ext>
     </p:extLst>
   </p:cSld>
@@ -1721,7 +1587,7 @@
     </p:spTree>
     <p:extLst>
       <p:ext uri="{BB962C8B-B14F-4D97-AF65-F5344CB8AC3E}">
-        <p14:creationId xmlns:p14="http://schemas.microsoft.com/office/powerpoint/2010/main" val="3528604695"/>
+        <p14:creationId xmlns:p14="http://schemas.microsoft.com/office/powerpoint/2010/main" val="311274090"/>
       </p:ext>
     </p:extLst>
   </p:cSld>
@@ -1830,7 +1696,7 @@
     </p:spTree>
     <p:extLst>
       <p:ext uri="{BB962C8B-B14F-4D97-AF65-F5344CB8AC3E}">
-        <p14:creationId xmlns:p14="http://schemas.microsoft.com/office/powerpoint/2010/main" val="1906471803"/>
+        <p14:creationId xmlns:p14="http://schemas.microsoft.com/office/powerpoint/2010/main" val="3528604695"/>
       </p:ext>
     </p:extLst>
   </p:cSld>
@@ -1939,7 +1805,7 @@
     </p:spTree>
     <p:extLst>
       <p:ext uri="{BB962C8B-B14F-4D97-AF65-F5344CB8AC3E}">
-        <p14:creationId xmlns:p14="http://schemas.microsoft.com/office/powerpoint/2010/main" val="1943629956"/>
+        <p14:creationId xmlns:p14="http://schemas.microsoft.com/office/powerpoint/2010/main" val="1906471803"/>
       </p:ext>
     </p:extLst>
   </p:cSld>
@@ -2048,7 +1914,7 @@
     </p:spTree>
     <p:extLst>
       <p:ext uri="{BB962C8B-B14F-4D97-AF65-F5344CB8AC3E}">
-        <p14:creationId xmlns:p14="http://schemas.microsoft.com/office/powerpoint/2010/main" val="1618421042"/>
+        <p14:creationId xmlns:p14="http://schemas.microsoft.com/office/powerpoint/2010/main" val="1943629956"/>
       </p:ext>
     </p:extLst>
   </p:cSld>
@@ -2157,7 +2023,7 @@
     </p:spTree>
     <p:extLst>
       <p:ext uri="{BB962C8B-B14F-4D97-AF65-F5344CB8AC3E}">
-        <p14:creationId xmlns:p14="http://schemas.microsoft.com/office/powerpoint/2010/main" val="4039909190"/>
+        <p14:creationId xmlns:p14="http://schemas.microsoft.com/office/powerpoint/2010/main" val="1618421042"/>
       </p:ext>
     </p:extLst>
   </p:cSld>
@@ -2276,7 +2142,7 @@
   <p:cSld>
     <p:spTree>
       <p:nvGrpSpPr>
-        <p:cNvPr id="1" name="Shape 217"/>
+        <p:cNvPr id="1" name="Shape 185"/>
         <p:cNvGrpSpPr/>
         <p:nvPr/>
       </p:nvGrpSpPr>
@@ -2290,7 +2156,7 @@
       </p:grpSpPr>
       <p:sp>
         <p:nvSpPr>
-          <p:cNvPr id="218" name="Google Shape;218;g35f391192_029:notes"/>
+          <p:cNvPr id="186" name="Google Shape;186;g3606f1c2d_30:notes"/>
           <p:cNvSpPr>
             <a:spLocks noGrp="1" noRot="1" noChangeAspect="1"/>
           </p:cNvSpPr>
@@ -2331,7 +2197,7 @@
       </p:sp>
       <p:sp>
         <p:nvSpPr>
-          <p:cNvPr id="219" name="Google Shape;219;g35f391192_029:notes"/>
+          <p:cNvPr id="187" name="Google Shape;187;g3606f1c2d_30:notes"/>
           <p:cNvSpPr txBox="1">
             <a:spLocks noGrp="1"/>
           </p:cNvSpPr>
@@ -2370,7 +2236,7 @@
     </p:spTree>
     <p:extLst>
       <p:ext uri="{BB962C8B-B14F-4D97-AF65-F5344CB8AC3E}">
-        <p14:creationId xmlns:p14="http://schemas.microsoft.com/office/powerpoint/2010/main" val="4115758942"/>
+        <p14:creationId xmlns:p14="http://schemas.microsoft.com/office/powerpoint/2010/main" val="4039909190"/>
       </p:ext>
     </p:extLst>
   </p:cSld>
@@ -2479,6 +2345,115 @@
     </p:spTree>
     <p:extLst>
       <p:ext uri="{BB962C8B-B14F-4D97-AF65-F5344CB8AC3E}">
+        <p14:creationId xmlns:p14="http://schemas.microsoft.com/office/powerpoint/2010/main" val="4115758942"/>
+      </p:ext>
+    </p:extLst>
+  </p:cSld>
+  <p:clrMapOvr>
+    <a:masterClrMapping/>
+  </p:clrMapOvr>
+</p:notes>
+</file>
+
+<file path=ppt/notesSlides/notesSlide22.xml><?xml version="1.0" encoding="utf-8"?>
+<p:notes xmlns:a="http://schemas.openxmlformats.org/drawingml/2006/main" xmlns:r="http://schemas.openxmlformats.org/officeDocument/2006/relationships" xmlns:p="http://schemas.openxmlformats.org/presentationml/2006/main" showMasterSp="0" showMasterPhAnim="0">
+  <p:cSld>
+    <p:spTree>
+      <p:nvGrpSpPr>
+        <p:cNvPr id="1" name="Shape 217"/>
+        <p:cNvGrpSpPr/>
+        <p:nvPr/>
+      </p:nvGrpSpPr>
+      <p:grpSpPr>
+        <a:xfrm>
+          <a:off x="0" y="0"/>
+          <a:ext cx="0" cy="0"/>
+          <a:chOff x="0" y="0"/>
+          <a:chExt cx="0" cy="0"/>
+        </a:xfrm>
+      </p:grpSpPr>
+      <p:sp>
+        <p:nvSpPr>
+          <p:cNvPr id="218" name="Google Shape;218;g35f391192_029:notes"/>
+          <p:cNvSpPr>
+            <a:spLocks noGrp="1" noRot="1" noChangeAspect="1"/>
+          </p:cNvSpPr>
+          <p:nvPr>
+            <p:ph type="sldImg" idx="2"/>
+          </p:nvPr>
+        </p:nvSpPr>
+        <p:spPr>
+          <a:xfrm>
+            <a:off x="381000" y="685800"/>
+            <a:ext cx="6096000" cy="3429000"/>
+          </a:xfrm>
+          <a:custGeom>
+            <a:avLst/>
+            <a:gdLst/>
+            <a:ahLst/>
+            <a:cxnLst/>
+            <a:rect l="l" t="t" r="r" b="b"/>
+            <a:pathLst>
+              <a:path w="120000" h="120000" extrusionOk="0">
+                <a:moveTo>
+                  <a:pt x="0" y="0"/>
+                </a:moveTo>
+                <a:lnTo>
+                  <a:pt x="120000" y="0"/>
+                </a:lnTo>
+                <a:lnTo>
+                  <a:pt x="120000" y="120000"/>
+                </a:lnTo>
+                <a:lnTo>
+                  <a:pt x="0" y="120000"/>
+                </a:lnTo>
+                <a:close/>
+              </a:path>
+            </a:pathLst>
+          </a:custGeom>
+        </p:spPr>
+      </p:sp>
+      <p:sp>
+        <p:nvSpPr>
+          <p:cNvPr id="219" name="Google Shape;219;g35f391192_029:notes"/>
+          <p:cNvSpPr txBox="1">
+            <a:spLocks noGrp="1"/>
+          </p:cNvSpPr>
+          <p:nvPr>
+            <p:ph type="body" idx="1"/>
+          </p:nvPr>
+        </p:nvSpPr>
+        <p:spPr>
+          <a:xfrm>
+            <a:off x="685800" y="4343400"/>
+            <a:ext cx="5486400" cy="4114800"/>
+          </a:xfrm>
+          <a:prstGeom prst="rect">
+            <a:avLst/>
+          </a:prstGeom>
+        </p:spPr>
+        <p:txBody>
+          <a:bodyPr spcFirstLastPara="1" wrap="square" lIns="91425" tIns="91425" rIns="91425" bIns="91425" anchor="t" anchorCtr="0">
+            <a:noAutofit/>
+          </a:bodyPr>
+          <a:lstStyle/>
+          <a:p>
+            <a:pPr marL="0" lvl="0" indent="0" algn="l" rtl="0">
+              <a:spcBef>
+                <a:spcPts val="0"/>
+              </a:spcBef>
+              <a:spcAft>
+                <a:spcPts val="0"/>
+              </a:spcAft>
+              <a:buNone/>
+            </a:pPr>
+            <a:endParaRPr/>
+          </a:p>
+        </p:txBody>
+      </p:sp>
+    </p:spTree>
+    <p:extLst>
+      <p:ext uri="{BB962C8B-B14F-4D97-AF65-F5344CB8AC3E}">
         <p14:creationId xmlns:p14="http://schemas.microsoft.com/office/powerpoint/2010/main" val="108300461"/>
       </p:ext>
     </p:extLst>
@@ -2489,7 +2464,7 @@
 </p:notes>
 </file>
 
-<file path=ppt/notesSlides/notesSlide22.xml><?xml version="1.0" encoding="utf-8"?>
+<file path=ppt/notesSlides/notesSlide23.xml><?xml version="1.0" encoding="utf-8"?>
 <p:notes xmlns:a="http://schemas.openxmlformats.org/drawingml/2006/main" xmlns:r="http://schemas.openxmlformats.org/officeDocument/2006/relationships" xmlns:p="http://schemas.openxmlformats.org/presentationml/2006/main" showMasterSp="0" showMasterPhAnim="0">
   <p:cSld>
     <p:spTree>
@@ -2821,7 +2796,7 @@
   <p:cSld>
     <p:spTree>
       <p:nvGrpSpPr>
-        <p:cNvPr id="1" name="Shape 217"/>
+        <p:cNvPr id="1" name="Shape 482"/>
         <p:cNvGrpSpPr/>
         <p:nvPr/>
       </p:nvGrpSpPr>
@@ -2835,7 +2810,7 @@
       </p:grpSpPr>
       <p:sp>
         <p:nvSpPr>
-          <p:cNvPr id="218" name="Google Shape;218;g35f391192_029:notes"/>
+          <p:cNvPr id="483" name="Google Shape;483;g35ed75ccf_0106:notes"/>
           <p:cNvSpPr>
             <a:spLocks noGrp="1" noRot="1" noChangeAspect="1"/>
           </p:cNvSpPr>
@@ -2876,7 +2851,7 @@
       </p:sp>
       <p:sp>
         <p:nvSpPr>
-          <p:cNvPr id="219" name="Google Shape;219;g35f391192_029:notes"/>
+          <p:cNvPr id="484" name="Google Shape;484;g35ed75ccf_0106:notes"/>
           <p:cNvSpPr txBox="1">
             <a:spLocks noGrp="1"/>
           </p:cNvSpPr>
@@ -2915,7 +2890,7 @@
     </p:spTree>
     <p:extLst>
       <p:ext uri="{BB962C8B-B14F-4D97-AF65-F5344CB8AC3E}">
-        <p14:creationId xmlns:p14="http://schemas.microsoft.com/office/powerpoint/2010/main" val="2560879432"/>
+        <p14:creationId xmlns:p14="http://schemas.microsoft.com/office/powerpoint/2010/main" val="4179135720"/>
       </p:ext>
     </p:extLst>
   </p:cSld>
@@ -3022,6 +2997,11 @@
         </p:txBody>
       </p:sp>
     </p:spTree>
+    <p:extLst>
+      <p:ext uri="{BB962C8B-B14F-4D97-AF65-F5344CB8AC3E}">
+        <p14:creationId xmlns:p14="http://schemas.microsoft.com/office/powerpoint/2010/main" val="2560879432"/>
+      </p:ext>
+    </p:extLst>
   </p:cSld>
   <p:clrMapOvr>
     <a:masterClrMapping/>
@@ -3034,7 +3014,7 @@
   <p:cSld>
     <p:spTree>
       <p:nvGrpSpPr>
-        <p:cNvPr id="1" name="Shape 185"/>
+        <p:cNvPr id="1" name="Shape 217"/>
         <p:cNvGrpSpPr/>
         <p:nvPr/>
       </p:nvGrpSpPr>
@@ -3048,7 +3028,7 @@
       </p:grpSpPr>
       <p:sp>
         <p:nvSpPr>
-          <p:cNvPr id="186" name="Google Shape;186;g3606f1c2d_30:notes"/>
+          <p:cNvPr id="218" name="Google Shape;218;g35f391192_029:notes"/>
           <p:cNvSpPr>
             <a:spLocks noGrp="1" noRot="1" noChangeAspect="1"/>
           </p:cNvSpPr>
@@ -3089,7 +3069,7 @@
       </p:sp>
       <p:sp>
         <p:nvSpPr>
-          <p:cNvPr id="187" name="Google Shape;187;g3606f1c2d_30:notes"/>
+          <p:cNvPr id="219" name="Google Shape;219;g35f391192_029:notes"/>
           <p:cNvSpPr txBox="1">
             <a:spLocks noGrp="1"/>
           </p:cNvSpPr>
@@ -3126,11 +3106,6 @@
         </p:txBody>
       </p:sp>
     </p:spTree>
-    <p:extLst>
-      <p:ext uri="{BB962C8B-B14F-4D97-AF65-F5344CB8AC3E}">
-        <p14:creationId xmlns:p14="http://schemas.microsoft.com/office/powerpoint/2010/main" val="1130715717"/>
-      </p:ext>
-    </p:extLst>
   </p:cSld>
   <p:clrMapOvr>
     <a:masterClrMapping/>
@@ -3235,6 +3210,11 @@
         </p:txBody>
       </p:sp>
     </p:spTree>
+    <p:extLst>
+      <p:ext uri="{BB962C8B-B14F-4D97-AF65-F5344CB8AC3E}">
+        <p14:creationId xmlns:p14="http://schemas.microsoft.com/office/powerpoint/2010/main" val="1130715717"/>
+      </p:ext>
+    </p:extLst>
   </p:cSld>
   <p:clrMapOvr>
     <a:masterClrMapping/>
@@ -3247,7 +3227,7 @@
   <p:cSld>
     <p:spTree>
       <p:nvGrpSpPr>
-        <p:cNvPr id="1" name="Shape 217"/>
+        <p:cNvPr id="1" name="Shape 185"/>
         <p:cNvGrpSpPr/>
         <p:nvPr/>
       </p:nvGrpSpPr>
@@ -3261,7 +3241,7 @@
       </p:grpSpPr>
       <p:sp>
         <p:nvSpPr>
-          <p:cNvPr id="218" name="Google Shape;218;g35f391192_029:notes"/>
+          <p:cNvPr id="186" name="Google Shape;186;g3606f1c2d_30:notes"/>
           <p:cNvSpPr>
             <a:spLocks noGrp="1" noRot="1" noChangeAspect="1"/>
           </p:cNvSpPr>
@@ -3302,7 +3282,7 @@
       </p:sp>
       <p:sp>
         <p:nvSpPr>
-          <p:cNvPr id="219" name="Google Shape;219;g35f391192_029:notes"/>
+          <p:cNvPr id="187" name="Google Shape;187;g3606f1c2d_30:notes"/>
           <p:cNvSpPr txBox="1">
             <a:spLocks noGrp="1"/>
           </p:cNvSpPr>
@@ -3339,11 +3319,6 @@
         </p:txBody>
       </p:sp>
     </p:spTree>
-    <p:extLst>
-      <p:ext uri="{BB962C8B-B14F-4D97-AF65-F5344CB8AC3E}">
-        <p14:creationId xmlns:p14="http://schemas.microsoft.com/office/powerpoint/2010/main" val="3855845685"/>
-      </p:ext>
-    </p:extLst>
   </p:cSld>
   <p:clrMapOvr>
     <a:masterClrMapping/>
@@ -8813,6 +8788,179 @@
   <p:cSld>
     <p:spTree>
       <p:nvGrpSpPr>
+        <p:cNvPr id="1" name="Shape 220"/>
+        <p:cNvGrpSpPr/>
+        <p:nvPr/>
+      </p:nvGrpSpPr>
+      <p:grpSpPr>
+        <a:xfrm>
+          <a:off x="0" y="0"/>
+          <a:ext cx="0" cy="0"/>
+          <a:chOff x="0" y="0"/>
+          <a:chExt cx="0" cy="0"/>
+        </a:xfrm>
+      </p:grpSpPr>
+      <p:sp>
+        <p:nvSpPr>
+          <p:cNvPr id="221" name="Google Shape;221;p14"/>
+          <p:cNvSpPr txBox="1">
+            <a:spLocks noGrp="1"/>
+          </p:cNvSpPr>
+          <p:nvPr>
+            <p:ph type="ctrTitle"/>
+          </p:nvPr>
+        </p:nvSpPr>
+        <p:spPr>
+          <a:xfrm>
+            <a:off x="192814" y="2961385"/>
+            <a:ext cx="5558241" cy="1109669"/>
+          </a:xfrm>
+          <a:prstGeom prst="rect">
+            <a:avLst/>
+          </a:prstGeom>
+        </p:spPr>
+        <p:txBody>
+          <a:bodyPr spcFirstLastPara="1" wrap="square" lIns="91425" tIns="91425" rIns="91425" bIns="91425" anchor="b" anchorCtr="0">
+            <a:noAutofit/>
+          </a:bodyPr>
+          <a:lstStyle/>
+          <a:p>
+            <a:r>
+              <a:rPr lang="en"/>
+              <a:t>FUENTES DE INFORMACIÓN (DOCUMENTOS )</a:t>
+            </a:r>
+            <a:endParaRPr/>
+          </a:p>
+        </p:txBody>
+      </p:sp>
+      <p:sp>
+        <p:nvSpPr>
+          <p:cNvPr id="223" name="Google Shape;223;p14"/>
+          <p:cNvSpPr txBox="1">
+            <a:spLocks noGrp="1"/>
+          </p:cNvSpPr>
+          <p:nvPr>
+            <p:ph type="sldNum" idx="12"/>
+          </p:nvPr>
+        </p:nvSpPr>
+        <p:spPr>
+          <a:xfrm>
+            <a:off x="7618000" y="4636500"/>
+            <a:ext cx="1487400" cy="315600"/>
+          </a:xfrm>
+          <a:prstGeom prst="rect">
+            <a:avLst/>
+          </a:prstGeom>
+        </p:spPr>
+        <p:txBody>
+          <a:bodyPr spcFirstLastPara="1" wrap="square" lIns="91425" tIns="91425" rIns="91425" bIns="91425" anchor="ctr" anchorCtr="0">
+            <a:noAutofit/>
+          </a:bodyPr>
+          <a:lstStyle/>
+          <a:p>
+            <a:pPr marL="0" lvl="0" indent="0" algn="r" rtl="0">
+              <a:spcBef>
+                <a:spcPts val="0"/>
+              </a:spcBef>
+              <a:spcAft>
+                <a:spcPts val="0"/>
+              </a:spcAft>
+              <a:buNone/>
+            </a:pPr>
+            <a:fld id="{00000000-1234-1234-1234-123412341234}" type="slidenum">
+              <a:rPr lang="en"/>
+              <a:t>10</a:t>
+            </a:fld>
+            <a:endParaRPr/>
+          </a:p>
+        </p:txBody>
+      </p:sp>
+      <p:sp>
+        <p:nvSpPr>
+          <p:cNvPr id="224" name="Google Shape;224;p14"/>
+          <p:cNvSpPr txBox="1"/>
+          <p:nvPr/>
+        </p:nvSpPr>
+        <p:spPr>
+          <a:xfrm>
+            <a:off x="283051" y="0"/>
+            <a:ext cx="2181600" cy="3136200"/>
+          </a:xfrm>
+          <a:prstGeom prst="rect">
+            <a:avLst/>
+          </a:prstGeom>
+          <a:noFill/>
+          <a:ln>
+            <a:noFill/>
+          </a:ln>
+        </p:spPr>
+        <p:txBody>
+          <a:bodyPr spcFirstLastPara="1" wrap="square" lIns="91425" tIns="91425" rIns="91425" bIns="91425" anchor="b" anchorCtr="0">
+            <a:noAutofit/>
+          </a:bodyPr>
+          <a:lstStyle/>
+          <a:p>
+            <a:pPr marL="0" lvl="0" indent="0" algn="l" rtl="0">
+              <a:spcBef>
+                <a:spcPts val="0"/>
+              </a:spcBef>
+              <a:spcAft>
+                <a:spcPts val="0"/>
+              </a:spcAft>
+              <a:buNone/>
+            </a:pPr>
+            <a:r>
+              <a:rPr lang="en" sz="12000" b="1">
+                <a:solidFill>
+                  <a:srgbClr val="3F5378"/>
+                </a:solidFill>
+                <a:latin typeface="Roboto Condensed"/>
+                <a:ea typeface="Roboto Condensed"/>
+                <a:cs typeface="Roboto Condensed"/>
+              </a:rPr>
+              <a:t>3</a:t>
+            </a:r>
+          </a:p>
+        </p:txBody>
+      </p:sp>
+      <p:sp>
+        <p:nvSpPr>
+          <p:cNvPr id="3" name="Subtítulo 2">
+            <a:extLst>
+              <a:ext uri="{FF2B5EF4-FFF2-40B4-BE49-F238E27FC236}">
+                <a16:creationId xmlns:a16="http://schemas.microsoft.com/office/drawing/2014/main" id="{365584AD-2B37-4F19-92DE-289602B3C3A9}"/>
+              </a:ext>
+            </a:extLst>
+          </p:cNvPr>
+          <p:cNvSpPr>
+            <a:spLocks noGrp="1"/>
+          </p:cNvSpPr>
+          <p:nvPr>
+            <p:ph type="subTitle" idx="1"/>
+          </p:nvPr>
+        </p:nvSpPr>
+        <p:spPr/>
+        <p:txBody>
+          <a:bodyPr/>
+          <a:lstStyle/>
+          <a:p>
+            <a:endParaRPr lang="es-ES"/>
+          </a:p>
+        </p:txBody>
+      </p:sp>
+    </p:spTree>
+  </p:cSld>
+  <p:clrMapOvr>
+    <a:masterClrMapping/>
+  </p:clrMapOvr>
+</p:sld>
+</file>
+
+<file path=ppt/slides/slide11.xml><?xml version="1.0" encoding="utf-8"?>
+<p:sld xmlns:a="http://schemas.openxmlformats.org/drawingml/2006/main" xmlns:r="http://schemas.openxmlformats.org/officeDocument/2006/relationships" xmlns:p="http://schemas.openxmlformats.org/presentationml/2006/main">
+  <p:cSld>
+    <p:spTree>
+      <p:nvGrpSpPr>
         <p:cNvPr id="1" name="Shape 188"/>
         <p:cNvGrpSpPr/>
         <p:nvPr/>
@@ -8906,7 +9054,7 @@
             </a:pPr>
             <a:fld id="{00000000-1234-1234-1234-123412341234}" type="slidenum">
               <a:rPr lang="en"/>
-              <a:t>10</a:t>
+              <a:t>11</a:t>
             </a:fld>
             <a:endParaRPr/>
           </a:p>
@@ -10786,7 +10934,7 @@
 </p:sld>
 </file>
 
-<file path=ppt/slides/slide11.xml><?xml version="1.0" encoding="utf-8"?>
+<file path=ppt/slides/slide12.xml><?xml version="1.0" encoding="utf-8"?>
 <p:sld xmlns:a="http://schemas.openxmlformats.org/drawingml/2006/main" xmlns:r="http://schemas.openxmlformats.org/officeDocument/2006/relationships" xmlns:p="http://schemas.openxmlformats.org/presentationml/2006/main">
   <p:cSld>
     <p:spTree>
@@ -10871,7 +11019,7 @@
             </a:pPr>
             <a:fld id="{00000000-1234-1234-1234-123412341234}" type="slidenum">
               <a:rPr lang="en"/>
-              <a:t>11</a:t>
+              <a:t>12</a:t>
             </a:fld>
             <a:endParaRPr/>
           </a:p>
@@ -12699,7 +12847,7 @@
 </p:sld>
 </file>
 
-<file path=ppt/slides/slide12.xml><?xml version="1.0" encoding="utf-8"?>
+<file path=ppt/slides/slide13.xml><?xml version="1.0" encoding="utf-8"?>
 <p:sld xmlns:a="http://schemas.openxmlformats.org/drawingml/2006/main" xmlns:r="http://schemas.openxmlformats.org/officeDocument/2006/relationships" xmlns:p="http://schemas.openxmlformats.org/presentationml/2006/main">
   <p:cSld>
     <p:spTree>
@@ -12866,7 +13014,7 @@
             </a:pPr>
             <a:fld id="{00000000-1234-1234-1234-123412341234}" type="slidenum">
               <a:rPr lang="es-ES"/>
-              <a:t>12</a:t>
+              <a:t>13</a:t>
             </a:fld>
             <a:endParaRPr lang="es-ES"/>
           </a:p>
@@ -13485,7 +13633,7 @@
 </p:sld>
 </file>
 
-<file path=ppt/slides/slide13.xml><?xml version="1.0" encoding="utf-8"?>
+<file path=ppt/slides/slide14.xml><?xml version="1.0" encoding="utf-8"?>
 <p:sld xmlns:a="http://schemas.openxmlformats.org/drawingml/2006/main" xmlns:r="http://schemas.openxmlformats.org/officeDocument/2006/relationships" xmlns:p="http://schemas.openxmlformats.org/presentationml/2006/main">
   <p:cSld>
     <p:spTree>
@@ -13606,7 +13754,7 @@
             </a:pPr>
             <a:fld id="{00000000-1234-1234-1234-123412341234}" type="slidenum">
               <a:rPr lang="es-ES"/>
-              <a:t>13</a:t>
+              <a:t>14</a:t>
             </a:fld>
             <a:endParaRPr lang="es-ES"/>
           </a:p>
@@ -16161,7 +16309,7 @@
 </p:sld>
 </file>
 
-<file path=ppt/slides/slide14.xml><?xml version="1.0" encoding="utf-8"?>
+<file path=ppt/slides/slide15.xml><?xml version="1.0" encoding="utf-8"?>
 <p:sld xmlns:a="http://schemas.openxmlformats.org/drawingml/2006/main" xmlns:r="http://schemas.openxmlformats.org/officeDocument/2006/relationships" xmlns:p="http://schemas.openxmlformats.org/presentationml/2006/main">
   <p:cSld>
     <p:spTree>
@@ -16325,7 +16473,7 @@
             </a:pPr>
             <a:fld id="{00000000-1234-1234-1234-123412341234}" type="slidenum">
               <a:rPr lang="es-ES"/>
-              <a:t>14</a:t>
+              <a:t>15</a:t>
             </a:fld>
             <a:endParaRPr lang="es-ES"/>
           </a:p>
@@ -16946,7 +17094,7 @@
 </p:sld>
 </file>
 
-<file path=ppt/slides/slide15.xml><?xml version="1.0" encoding="utf-8"?>
+<file path=ppt/slides/slide16.xml><?xml version="1.0" encoding="utf-8"?>
 <p:sld xmlns:a="http://schemas.openxmlformats.org/drawingml/2006/main" xmlns:r="http://schemas.openxmlformats.org/officeDocument/2006/relationships" xmlns:p="http://schemas.openxmlformats.org/presentationml/2006/main">
   <p:cSld>
     <p:spTree>
@@ -17039,7 +17187,7 @@
             </a:pPr>
             <a:fld id="{00000000-1234-1234-1234-123412341234}" type="slidenum">
               <a:rPr lang="en"/>
-              <a:t>15</a:t>
+              <a:t>16</a:t>
             </a:fld>
             <a:endParaRPr/>
           </a:p>
@@ -17106,7 +17254,7 @@
 </p:sld>
 </file>
 
-<file path=ppt/slides/slide16.xml><?xml version="1.0" encoding="utf-8"?>
+<file path=ppt/slides/slide17.xml><?xml version="1.0" encoding="utf-8"?>
 <p:sld xmlns:a="http://schemas.openxmlformats.org/drawingml/2006/main" xmlns:r="http://schemas.openxmlformats.org/officeDocument/2006/relationships" xmlns:p="http://schemas.openxmlformats.org/presentationml/2006/main">
   <p:cSld>
     <p:spTree>
@@ -17196,7 +17344,7 @@
             </a:pPr>
             <a:fld id="{00000000-1234-1234-1234-123412341234}" type="slidenum">
               <a:rPr lang="en"/>
-              <a:t>16</a:t>
+              <a:t>17</a:t>
             </a:fld>
             <a:endParaRPr/>
           </a:p>
@@ -18418,7 +18566,7 @@
 </p:sld>
 </file>
 
-<file path=ppt/slides/slide17.xml><?xml version="1.0" encoding="utf-8"?>
+<file path=ppt/slides/slide18.xml><?xml version="1.0" encoding="utf-8"?>
 <p:sld xmlns:a="http://schemas.openxmlformats.org/drawingml/2006/main" xmlns:r="http://schemas.openxmlformats.org/officeDocument/2006/relationships" xmlns:p="http://schemas.openxmlformats.org/presentationml/2006/main">
   <p:cSld>
     <p:spTree>
@@ -18508,7 +18656,7 @@
             </a:pPr>
             <a:fld id="{00000000-1234-1234-1234-123412341234}" type="slidenum">
               <a:rPr lang="en"/>
-              <a:t>17</a:t>
+              <a:t>18</a:t>
             </a:fld>
             <a:endParaRPr/>
           </a:p>
@@ -19721,7 +19869,7 @@
 </p:sld>
 </file>
 
-<file path=ppt/slides/slide18.xml><?xml version="1.0" encoding="utf-8"?>
+<file path=ppt/slides/slide19.xml><?xml version="1.0" encoding="utf-8"?>
 <p:sld xmlns:a="http://schemas.openxmlformats.org/drawingml/2006/main" xmlns:r="http://schemas.openxmlformats.org/officeDocument/2006/relationships" xmlns:p="http://schemas.openxmlformats.org/presentationml/2006/main">
   <p:cSld>
     <p:spTree>
@@ -19811,7 +19959,7 @@
             </a:pPr>
             <a:fld id="{00000000-1234-1234-1234-123412341234}" type="slidenum">
               <a:rPr lang="en"/>
-              <a:t>18</a:t>
+              <a:t>19</a:t>
             </a:fld>
             <a:endParaRPr/>
           </a:p>
@@ -20953,166 +21101,6 @@
 </p:sld>
 </file>
 
-<file path=ppt/slides/slide19.xml><?xml version="1.0" encoding="utf-8"?>
-<p:sld xmlns:a="http://schemas.openxmlformats.org/drawingml/2006/main" xmlns:r="http://schemas.openxmlformats.org/officeDocument/2006/relationships" xmlns:p="http://schemas.openxmlformats.org/presentationml/2006/main">
-  <p:cSld>
-    <p:spTree>
-      <p:nvGrpSpPr>
-        <p:cNvPr id="1" name="Shape 220"/>
-        <p:cNvGrpSpPr/>
-        <p:nvPr/>
-      </p:nvGrpSpPr>
-      <p:grpSpPr>
-        <a:xfrm>
-          <a:off x="0" y="0"/>
-          <a:ext cx="0" cy="0"/>
-          <a:chOff x="0" y="0"/>
-          <a:chExt cx="0" cy="0"/>
-        </a:xfrm>
-      </p:grpSpPr>
-      <p:sp>
-        <p:nvSpPr>
-          <p:cNvPr id="221" name="Google Shape;221;p14"/>
-          <p:cNvSpPr txBox="1">
-            <a:spLocks noGrp="1"/>
-          </p:cNvSpPr>
-          <p:nvPr>
-            <p:ph type="ctrTitle"/>
-          </p:nvPr>
-        </p:nvSpPr>
-        <p:spPr>
-          <a:xfrm>
-            <a:off x="283051" y="2961385"/>
-            <a:ext cx="5558241" cy="1109669"/>
-          </a:xfrm>
-          <a:prstGeom prst="rect">
-            <a:avLst/>
-          </a:prstGeom>
-        </p:spPr>
-        <p:txBody>
-          <a:bodyPr spcFirstLastPara="1" wrap="square" lIns="91425" tIns="91425" rIns="91425" bIns="91425" anchor="b" anchorCtr="0">
-            <a:noAutofit/>
-          </a:bodyPr>
-          <a:lstStyle/>
-          <a:p>
-            <a:r>
-              <a:rPr lang="en"/>
-              <a:t>FUENTES DE INFORMACIÓN </a:t>
-            </a:r>
-            <a:br>
-              <a:rPr lang="en"/>
-            </a:br>
-            <a:r>
-              <a:rPr lang="en"/>
-              <a:t>(CURSOS GRATUITOS )</a:t>
-            </a:r>
-            <a:endParaRPr/>
-          </a:p>
-        </p:txBody>
-      </p:sp>
-      <p:sp>
-        <p:nvSpPr>
-          <p:cNvPr id="223" name="Google Shape;223;p14"/>
-          <p:cNvSpPr txBox="1">
-            <a:spLocks noGrp="1"/>
-          </p:cNvSpPr>
-          <p:nvPr>
-            <p:ph type="sldNum" idx="12"/>
-          </p:nvPr>
-        </p:nvSpPr>
-        <p:spPr>
-          <a:xfrm>
-            <a:off x="7618000" y="4636500"/>
-            <a:ext cx="1487400" cy="315600"/>
-          </a:xfrm>
-          <a:prstGeom prst="rect">
-            <a:avLst/>
-          </a:prstGeom>
-        </p:spPr>
-        <p:txBody>
-          <a:bodyPr spcFirstLastPara="1" wrap="square" lIns="91425" tIns="91425" rIns="91425" bIns="91425" anchor="ctr" anchorCtr="0">
-            <a:noAutofit/>
-          </a:bodyPr>
-          <a:lstStyle/>
-          <a:p>
-            <a:pPr marL="0" lvl="0" indent="0" algn="r" rtl="0">
-              <a:spcBef>
-                <a:spcPts val="0"/>
-              </a:spcBef>
-              <a:spcAft>
-                <a:spcPts val="0"/>
-              </a:spcAft>
-              <a:buNone/>
-            </a:pPr>
-            <a:fld id="{00000000-1234-1234-1234-123412341234}" type="slidenum">
-              <a:rPr lang="en"/>
-              <a:t>19</a:t>
-            </a:fld>
-            <a:endParaRPr/>
-          </a:p>
-        </p:txBody>
-      </p:sp>
-      <p:sp>
-        <p:nvSpPr>
-          <p:cNvPr id="224" name="Google Shape;224;p14"/>
-          <p:cNvSpPr txBox="1"/>
-          <p:nvPr/>
-        </p:nvSpPr>
-        <p:spPr>
-          <a:xfrm>
-            <a:off x="283051" y="0"/>
-            <a:ext cx="2181600" cy="3136200"/>
-          </a:xfrm>
-          <a:prstGeom prst="rect">
-            <a:avLst/>
-          </a:prstGeom>
-          <a:noFill/>
-          <a:ln>
-            <a:noFill/>
-          </a:ln>
-        </p:spPr>
-        <p:txBody>
-          <a:bodyPr spcFirstLastPara="1" wrap="square" lIns="91425" tIns="91425" rIns="91425" bIns="91425" anchor="b" anchorCtr="0">
-            <a:noAutofit/>
-          </a:bodyPr>
-          <a:lstStyle/>
-          <a:p>
-            <a:pPr marL="0" lvl="0" indent="0" algn="l" rtl="0">
-              <a:spcBef>
-                <a:spcPts val="0"/>
-              </a:spcBef>
-              <a:spcAft>
-                <a:spcPts val="0"/>
-              </a:spcAft>
-              <a:buNone/>
-            </a:pPr>
-            <a:r>
-              <a:rPr lang="en" sz="12000" b="1">
-                <a:solidFill>
-                  <a:srgbClr val="3F5378"/>
-                </a:solidFill>
-                <a:latin typeface="Roboto Condensed"/>
-                <a:ea typeface="Roboto Condensed"/>
-                <a:cs typeface="Roboto Condensed"/>
-              </a:rPr>
-              <a:t>5</a:t>
-            </a:r>
-          </a:p>
-        </p:txBody>
-      </p:sp>
-    </p:spTree>
-    <p:extLst>
-      <p:ext uri="{BB962C8B-B14F-4D97-AF65-F5344CB8AC3E}">
-        <p14:creationId xmlns:p14="http://schemas.microsoft.com/office/powerpoint/2010/main" val="4072104648"/>
-      </p:ext>
-    </p:extLst>
-  </p:cSld>
-  <p:clrMapOvr>
-    <a:masterClrMapping/>
-  </p:clrMapOvr>
-</p:sld>
-</file>
-
 <file path=ppt/slides/slide2.xml><?xml version="1.0" encoding="utf-8"?>
 <p:sld xmlns:a="http://schemas.openxmlformats.org/drawingml/2006/main" xmlns:r="http://schemas.openxmlformats.org/officeDocument/2006/relationships" xmlns:p="http://schemas.openxmlformats.org/presentationml/2006/main">
   <p:cSld>
@@ -21619,6 +21607,166 @@
   <p:cSld>
     <p:spTree>
       <p:nvGrpSpPr>
+        <p:cNvPr id="1" name="Shape 220"/>
+        <p:cNvGrpSpPr/>
+        <p:nvPr/>
+      </p:nvGrpSpPr>
+      <p:grpSpPr>
+        <a:xfrm>
+          <a:off x="0" y="0"/>
+          <a:ext cx="0" cy="0"/>
+          <a:chOff x="0" y="0"/>
+          <a:chExt cx="0" cy="0"/>
+        </a:xfrm>
+      </p:grpSpPr>
+      <p:sp>
+        <p:nvSpPr>
+          <p:cNvPr id="221" name="Google Shape;221;p14"/>
+          <p:cNvSpPr txBox="1">
+            <a:spLocks noGrp="1"/>
+          </p:cNvSpPr>
+          <p:nvPr>
+            <p:ph type="ctrTitle"/>
+          </p:nvPr>
+        </p:nvSpPr>
+        <p:spPr>
+          <a:xfrm>
+            <a:off x="283051" y="2961385"/>
+            <a:ext cx="5558241" cy="1109669"/>
+          </a:xfrm>
+          <a:prstGeom prst="rect">
+            <a:avLst/>
+          </a:prstGeom>
+        </p:spPr>
+        <p:txBody>
+          <a:bodyPr spcFirstLastPara="1" wrap="square" lIns="91425" tIns="91425" rIns="91425" bIns="91425" anchor="b" anchorCtr="0">
+            <a:noAutofit/>
+          </a:bodyPr>
+          <a:lstStyle/>
+          <a:p>
+            <a:r>
+              <a:rPr lang="en"/>
+              <a:t>FUENTES DE INFORMACIÓN </a:t>
+            </a:r>
+            <a:br>
+              <a:rPr lang="en"/>
+            </a:br>
+            <a:r>
+              <a:rPr lang="en"/>
+              <a:t>(CURSOS GRATUITOS )</a:t>
+            </a:r>
+            <a:endParaRPr/>
+          </a:p>
+        </p:txBody>
+      </p:sp>
+      <p:sp>
+        <p:nvSpPr>
+          <p:cNvPr id="223" name="Google Shape;223;p14"/>
+          <p:cNvSpPr txBox="1">
+            <a:spLocks noGrp="1"/>
+          </p:cNvSpPr>
+          <p:nvPr>
+            <p:ph type="sldNum" idx="12"/>
+          </p:nvPr>
+        </p:nvSpPr>
+        <p:spPr>
+          <a:xfrm>
+            <a:off x="7618000" y="4636500"/>
+            <a:ext cx="1487400" cy="315600"/>
+          </a:xfrm>
+          <a:prstGeom prst="rect">
+            <a:avLst/>
+          </a:prstGeom>
+        </p:spPr>
+        <p:txBody>
+          <a:bodyPr spcFirstLastPara="1" wrap="square" lIns="91425" tIns="91425" rIns="91425" bIns="91425" anchor="ctr" anchorCtr="0">
+            <a:noAutofit/>
+          </a:bodyPr>
+          <a:lstStyle/>
+          <a:p>
+            <a:pPr marL="0" lvl="0" indent="0" algn="r" rtl="0">
+              <a:spcBef>
+                <a:spcPts val="0"/>
+              </a:spcBef>
+              <a:spcAft>
+                <a:spcPts val="0"/>
+              </a:spcAft>
+              <a:buNone/>
+            </a:pPr>
+            <a:fld id="{00000000-1234-1234-1234-123412341234}" type="slidenum">
+              <a:rPr lang="en"/>
+              <a:t>20</a:t>
+            </a:fld>
+            <a:endParaRPr/>
+          </a:p>
+        </p:txBody>
+      </p:sp>
+      <p:sp>
+        <p:nvSpPr>
+          <p:cNvPr id="224" name="Google Shape;224;p14"/>
+          <p:cNvSpPr txBox="1"/>
+          <p:nvPr/>
+        </p:nvSpPr>
+        <p:spPr>
+          <a:xfrm>
+            <a:off x="283051" y="0"/>
+            <a:ext cx="2181600" cy="3136200"/>
+          </a:xfrm>
+          <a:prstGeom prst="rect">
+            <a:avLst/>
+          </a:prstGeom>
+          <a:noFill/>
+          <a:ln>
+            <a:noFill/>
+          </a:ln>
+        </p:spPr>
+        <p:txBody>
+          <a:bodyPr spcFirstLastPara="1" wrap="square" lIns="91425" tIns="91425" rIns="91425" bIns="91425" anchor="b" anchorCtr="0">
+            <a:noAutofit/>
+          </a:bodyPr>
+          <a:lstStyle/>
+          <a:p>
+            <a:pPr marL="0" lvl="0" indent="0" algn="l" rtl="0">
+              <a:spcBef>
+                <a:spcPts val="0"/>
+              </a:spcBef>
+              <a:spcAft>
+                <a:spcPts val="0"/>
+              </a:spcAft>
+              <a:buNone/>
+            </a:pPr>
+            <a:r>
+              <a:rPr lang="en" sz="12000" b="1">
+                <a:solidFill>
+                  <a:srgbClr val="3F5378"/>
+                </a:solidFill>
+                <a:latin typeface="Roboto Condensed"/>
+                <a:ea typeface="Roboto Condensed"/>
+                <a:cs typeface="Roboto Condensed"/>
+              </a:rPr>
+              <a:t>5</a:t>
+            </a:r>
+          </a:p>
+        </p:txBody>
+      </p:sp>
+    </p:spTree>
+    <p:extLst>
+      <p:ext uri="{BB962C8B-B14F-4D97-AF65-F5344CB8AC3E}">
+        <p14:creationId xmlns:p14="http://schemas.microsoft.com/office/powerpoint/2010/main" val="4072104648"/>
+      </p:ext>
+    </p:extLst>
+  </p:cSld>
+  <p:clrMapOvr>
+    <a:masterClrMapping/>
+  </p:clrMapOvr>
+</p:sld>
+</file>
+
+<file path=ppt/slides/slide21.xml><?xml version="1.0" encoding="utf-8"?>
+<p:sld xmlns:a="http://schemas.openxmlformats.org/drawingml/2006/main" xmlns:r="http://schemas.openxmlformats.org/officeDocument/2006/relationships" xmlns:p="http://schemas.openxmlformats.org/presentationml/2006/main">
+  <p:cSld>
+    <p:spTree>
+      <p:nvGrpSpPr>
         <p:cNvPr id="1" name="Shape 188"/>
         <p:cNvGrpSpPr/>
         <p:nvPr/>
@@ -21704,7 +21852,7 @@
             </a:pPr>
             <a:fld id="{00000000-1234-1234-1234-123412341234}" type="slidenum">
               <a:rPr lang="en"/>
-              <a:t>20</a:t>
+              <a:t>21</a:t>
             </a:fld>
             <a:endParaRPr/>
           </a:p>
@@ -22816,7 +22964,7 @@
 </p:sld>
 </file>
 
-<file path=ppt/slides/slide21.xml><?xml version="1.0" encoding="utf-8"?>
+<file path=ppt/slides/slide22.xml><?xml version="1.0" encoding="utf-8"?>
 <p:sld xmlns:a="http://schemas.openxmlformats.org/drawingml/2006/main" xmlns:r="http://schemas.openxmlformats.org/officeDocument/2006/relationships" xmlns:p="http://schemas.openxmlformats.org/presentationml/2006/main">
   <p:cSld>
     <p:spTree>
@@ -22906,7 +23054,7 @@
             </a:pPr>
             <a:fld id="{00000000-1234-1234-1234-123412341234}" type="slidenum">
               <a:rPr lang="en"/>
-              <a:t>21</a:t>
+              <a:t>22</a:t>
             </a:fld>
             <a:endParaRPr/>
           </a:p>
@@ -24043,7 +24191,7 @@
 </p:sld>
 </file>
 
-<file path=ppt/slides/slide22.xml><?xml version="1.0" encoding="utf-8"?>
+<file path=ppt/slides/slide23.xml><?xml version="1.0" encoding="utf-8"?>
 <p:sld xmlns:a="http://schemas.openxmlformats.org/drawingml/2006/main" xmlns:r="http://schemas.openxmlformats.org/officeDocument/2006/relationships" xmlns:p="http://schemas.openxmlformats.org/presentationml/2006/main">
   <p:cSld>
     <p:spTree>
@@ -24133,7 +24281,7 @@
             </a:pPr>
             <a:fld id="{00000000-1234-1234-1234-123412341234}" type="slidenum">
               <a:rPr lang="en"/>
-              <a:t>22</a:t>
+              <a:t>23</a:t>
             </a:fld>
             <a:endParaRPr/>
           </a:p>
@@ -25230,7 +25378,7 @@
 </p:sld>
 </file>
 
-<file path=ppt/slides/slide23.xml><?xml version="1.0" encoding="utf-8"?>
+<file path=ppt/slides/slide24.xml><?xml version="1.0" encoding="utf-8"?>
 <p:sld xmlns:a="http://schemas.openxmlformats.org/drawingml/2006/main" xmlns:r="http://schemas.openxmlformats.org/officeDocument/2006/relationships" xmlns:p="http://schemas.openxmlformats.org/presentationml/2006/main">
   <p:cSld>
     <p:spTree>
@@ -25320,7 +25468,7 @@
             </a:pPr>
             <a:fld id="{00000000-1234-1234-1234-123412341234}" type="slidenum">
               <a:rPr lang="en"/>
-              <a:t>23</a:t>
+              <a:t>24</a:t>
             </a:fld>
             <a:endParaRPr/>
           </a:p>
@@ -26450,7 +26598,7 @@
 </p:sld>
 </file>
 
-<file path=ppt/slides/slide24.xml><?xml version="1.0" encoding="utf-8"?>
+<file path=ppt/slides/slide25.xml><?xml version="1.0" encoding="utf-8"?>
 <p:sld xmlns:a="http://schemas.openxmlformats.org/drawingml/2006/main" xmlns:r="http://schemas.openxmlformats.org/officeDocument/2006/relationships" xmlns:p="http://schemas.openxmlformats.org/presentationml/2006/main">
   <p:cSld>
     <p:spTree>
@@ -26540,7 +26688,7 @@
             </a:pPr>
             <a:fld id="{00000000-1234-1234-1234-123412341234}" type="slidenum">
               <a:rPr lang="en"/>
-              <a:t>24</a:t>
+              <a:t>25</a:t>
             </a:fld>
             <a:endParaRPr/>
           </a:p>
@@ -27677,7 +27825,7 @@
 </p:sld>
 </file>
 
-<file path=ppt/slides/slide25.xml><?xml version="1.0" encoding="utf-8"?>
+<file path=ppt/slides/slide26.xml><?xml version="1.0" encoding="utf-8"?>
 <p:sld xmlns:a="http://schemas.openxmlformats.org/drawingml/2006/main" xmlns:r="http://schemas.openxmlformats.org/officeDocument/2006/relationships" xmlns:p="http://schemas.openxmlformats.org/presentationml/2006/main">
   <p:cSld>
     <p:spTree>
@@ -27767,7 +27915,7 @@
             </a:pPr>
             <a:fld id="{00000000-1234-1234-1234-123412341234}" type="slidenum">
               <a:rPr lang="en"/>
-              <a:t>25</a:t>
+              <a:t>26</a:t>
             </a:fld>
             <a:endParaRPr/>
           </a:p>
@@ -28889,7 +29037,7 @@
 </p:sld>
 </file>
 
-<file path=ppt/slides/slide26.xml><?xml version="1.0" encoding="utf-8"?>
+<file path=ppt/slides/slide27.xml><?xml version="1.0" encoding="utf-8"?>
 <p:sld xmlns:a="http://schemas.openxmlformats.org/drawingml/2006/main" xmlns:r="http://schemas.openxmlformats.org/officeDocument/2006/relationships" xmlns:p="http://schemas.openxmlformats.org/presentationml/2006/main">
   <p:cSld>
     <p:spTree>
@@ -28974,7 +29122,7 @@
             </a:pPr>
             <a:fld id="{00000000-1234-1234-1234-123412341234}" type="slidenum">
               <a:rPr lang="en"/>
-              <a:t>26</a:t>
+              <a:t>27</a:t>
             </a:fld>
             <a:endParaRPr/>
           </a:p>
@@ -29041,7 +29189,7 @@
 </p:sld>
 </file>
 
-<file path=ppt/slides/slide27.xml><?xml version="1.0" encoding="utf-8"?>
+<file path=ppt/slides/slide28.xml><?xml version="1.0" encoding="utf-8"?>
 <p:sld xmlns:a="http://schemas.openxmlformats.org/drawingml/2006/main" xmlns:r="http://schemas.openxmlformats.org/officeDocument/2006/relationships" xmlns:p="http://schemas.openxmlformats.org/presentationml/2006/main">
   <p:cSld>
     <p:spTree>
@@ -29154,7 +29302,7 @@
             </a:pPr>
             <a:fld id="{00000000-1234-1234-1234-123412341234}" type="slidenum">
               <a:rPr lang="es-ES"/>
-              <a:t>27</a:t>
+              <a:t>28</a:t>
             </a:fld>
             <a:endParaRPr lang="es-ES"/>
           </a:p>
@@ -29203,7 +29351,7 @@
 </p:sld>
 </file>
 
-<file path=ppt/slides/slide28.xml><?xml version="1.0" encoding="utf-8"?>
+<file path=ppt/slides/slide29.xml><?xml version="1.0" encoding="utf-8"?>
 <p:sld xmlns:a="http://schemas.openxmlformats.org/drawingml/2006/main" xmlns:r="http://schemas.openxmlformats.org/officeDocument/2006/relationships" xmlns:p="http://schemas.openxmlformats.org/presentationml/2006/main">
   <p:cSld>
     <p:spTree>
@@ -29332,7 +29480,7 @@
             </a:pPr>
             <a:fld id="{00000000-1234-1234-1234-123412341234}" type="slidenum">
               <a:rPr lang="es-ES"/>
-              <a:t>28</a:t>
+              <a:t>29</a:t>
             </a:fld>
             <a:endParaRPr lang="es-ES"/>
           </a:p>
@@ -29372,158 +29520,6 @@
     <p:extLst>
       <p:ext uri="{BB962C8B-B14F-4D97-AF65-F5344CB8AC3E}">
         <p14:creationId xmlns:p14="http://schemas.microsoft.com/office/powerpoint/2010/main" val="2616715985"/>
-      </p:ext>
-    </p:extLst>
-  </p:cSld>
-  <p:clrMapOvr>
-    <a:masterClrMapping/>
-  </p:clrMapOvr>
-</p:sld>
-</file>
-
-<file path=ppt/slides/slide29.xml><?xml version="1.0" encoding="utf-8"?>
-<p:sld xmlns:a="http://schemas.openxmlformats.org/drawingml/2006/main" xmlns:r="http://schemas.openxmlformats.org/officeDocument/2006/relationships" xmlns:p="http://schemas.openxmlformats.org/presentationml/2006/main">
-  <p:cSld>
-    <p:spTree>
-      <p:nvGrpSpPr>
-        <p:cNvPr id="1" name="Shape 220"/>
-        <p:cNvGrpSpPr/>
-        <p:nvPr/>
-      </p:nvGrpSpPr>
-      <p:grpSpPr>
-        <a:xfrm>
-          <a:off x="0" y="0"/>
-          <a:ext cx="0" cy="0"/>
-          <a:chOff x="0" y="0"/>
-          <a:chExt cx="0" cy="0"/>
-        </a:xfrm>
-      </p:grpSpPr>
-      <p:sp>
-        <p:nvSpPr>
-          <p:cNvPr id="221" name="Google Shape;221;p14"/>
-          <p:cNvSpPr txBox="1">
-            <a:spLocks noGrp="1"/>
-          </p:cNvSpPr>
-          <p:nvPr>
-            <p:ph type="ctrTitle"/>
-          </p:nvPr>
-        </p:nvSpPr>
-        <p:spPr>
-          <a:xfrm>
-            <a:off x="283051" y="2450042"/>
-            <a:ext cx="5558241" cy="1570879"/>
-          </a:xfrm>
-          <a:prstGeom prst="rect">
-            <a:avLst/>
-          </a:prstGeom>
-        </p:spPr>
-        <p:txBody>
-          <a:bodyPr spcFirstLastPara="1" wrap="square" lIns="91425" tIns="91425" rIns="91425" bIns="91425" anchor="b" anchorCtr="0">
-            <a:noAutofit/>
-          </a:bodyPr>
-          <a:lstStyle/>
-          <a:p>
-            <a:r>
-              <a:rPr lang="en"/>
-              <a:t>RECURSOS PARA IMPLEMENTAR LAS TECNOLOGÍAS</a:t>
-            </a:r>
-          </a:p>
-        </p:txBody>
-      </p:sp>
-      <p:sp>
-        <p:nvSpPr>
-          <p:cNvPr id="223" name="Google Shape;223;p14"/>
-          <p:cNvSpPr txBox="1">
-            <a:spLocks noGrp="1"/>
-          </p:cNvSpPr>
-          <p:nvPr>
-            <p:ph type="sldNum" idx="12"/>
-          </p:nvPr>
-        </p:nvSpPr>
-        <p:spPr>
-          <a:xfrm>
-            <a:off x="7618000" y="4636500"/>
-            <a:ext cx="1487400" cy="315600"/>
-          </a:xfrm>
-          <a:prstGeom prst="rect">
-            <a:avLst/>
-          </a:prstGeom>
-        </p:spPr>
-        <p:txBody>
-          <a:bodyPr spcFirstLastPara="1" wrap="square" lIns="91425" tIns="91425" rIns="91425" bIns="91425" anchor="ctr" anchorCtr="0">
-            <a:noAutofit/>
-          </a:bodyPr>
-          <a:lstStyle/>
-          <a:p>
-            <a:pPr marL="0" lvl="0" indent="0" algn="r" rtl="0">
-              <a:spcBef>
-                <a:spcPts val="0"/>
-              </a:spcBef>
-              <a:spcAft>
-                <a:spcPts val="0"/>
-              </a:spcAft>
-              <a:buNone/>
-            </a:pPr>
-            <a:fld id="{00000000-1234-1234-1234-123412341234}" type="slidenum">
-              <a:rPr lang="en"/>
-              <a:t>29</a:t>
-            </a:fld>
-            <a:endParaRPr/>
-          </a:p>
-        </p:txBody>
-      </p:sp>
-      <p:sp>
-        <p:nvSpPr>
-          <p:cNvPr id="224" name="Google Shape;224;p14"/>
-          <p:cNvSpPr txBox="1"/>
-          <p:nvPr/>
-        </p:nvSpPr>
-        <p:spPr>
-          <a:xfrm>
-            <a:off x="283051" y="0"/>
-            <a:ext cx="2181600" cy="3136200"/>
-          </a:xfrm>
-          <a:prstGeom prst="rect">
-            <a:avLst/>
-          </a:prstGeom>
-          <a:noFill/>
-          <a:ln>
-            <a:noFill/>
-          </a:ln>
-        </p:spPr>
-        <p:txBody>
-          <a:bodyPr spcFirstLastPara="1" wrap="square" lIns="91425" tIns="91425" rIns="91425" bIns="91425" anchor="b" anchorCtr="0">
-            <a:noAutofit/>
-          </a:bodyPr>
-          <a:lstStyle/>
-          <a:p>
-            <a:pPr marL="0" lvl="0" indent="0" algn="l" rtl="0">
-              <a:spcBef>
-                <a:spcPts val="0"/>
-              </a:spcBef>
-              <a:spcAft>
-                <a:spcPts val="0"/>
-              </a:spcAft>
-              <a:buNone/>
-            </a:pPr>
-            <a:r>
-              <a:rPr lang="en" sz="12000" b="1">
-                <a:solidFill>
-                  <a:srgbClr val="3F5378"/>
-                </a:solidFill>
-                <a:latin typeface="Roboto Condensed"/>
-                <a:ea typeface="Roboto Condensed"/>
-                <a:cs typeface="Roboto Condensed"/>
-              </a:rPr>
-              <a:t>7</a:t>
-            </a:r>
-          </a:p>
-        </p:txBody>
-      </p:sp>
-    </p:spTree>
-    <p:extLst>
-      <p:ext uri="{BB962C8B-B14F-4D97-AF65-F5344CB8AC3E}">
-        <p14:creationId xmlns:p14="http://schemas.microsoft.com/office/powerpoint/2010/main" val="3107837220"/>
       </p:ext>
     </p:extLst>
   </p:cSld>
@@ -29697,6 +29693,158 @@
   <p:cSld>
     <p:spTree>
       <p:nvGrpSpPr>
+        <p:cNvPr id="1" name="Shape 220"/>
+        <p:cNvGrpSpPr/>
+        <p:nvPr/>
+      </p:nvGrpSpPr>
+      <p:grpSpPr>
+        <a:xfrm>
+          <a:off x="0" y="0"/>
+          <a:ext cx="0" cy="0"/>
+          <a:chOff x="0" y="0"/>
+          <a:chExt cx="0" cy="0"/>
+        </a:xfrm>
+      </p:grpSpPr>
+      <p:sp>
+        <p:nvSpPr>
+          <p:cNvPr id="221" name="Google Shape;221;p14"/>
+          <p:cNvSpPr txBox="1">
+            <a:spLocks noGrp="1"/>
+          </p:cNvSpPr>
+          <p:nvPr>
+            <p:ph type="ctrTitle"/>
+          </p:nvPr>
+        </p:nvSpPr>
+        <p:spPr>
+          <a:xfrm>
+            <a:off x="283051" y="2450042"/>
+            <a:ext cx="5558241" cy="1570879"/>
+          </a:xfrm>
+          <a:prstGeom prst="rect">
+            <a:avLst/>
+          </a:prstGeom>
+        </p:spPr>
+        <p:txBody>
+          <a:bodyPr spcFirstLastPara="1" wrap="square" lIns="91425" tIns="91425" rIns="91425" bIns="91425" anchor="b" anchorCtr="0">
+            <a:noAutofit/>
+          </a:bodyPr>
+          <a:lstStyle/>
+          <a:p>
+            <a:r>
+              <a:rPr lang="en"/>
+              <a:t>RECURSOS PARA IMPLEMENTAR LAS TECNOLOGÍAS</a:t>
+            </a:r>
+          </a:p>
+        </p:txBody>
+      </p:sp>
+      <p:sp>
+        <p:nvSpPr>
+          <p:cNvPr id="223" name="Google Shape;223;p14"/>
+          <p:cNvSpPr txBox="1">
+            <a:spLocks noGrp="1"/>
+          </p:cNvSpPr>
+          <p:nvPr>
+            <p:ph type="sldNum" idx="12"/>
+          </p:nvPr>
+        </p:nvSpPr>
+        <p:spPr>
+          <a:xfrm>
+            <a:off x="7618000" y="4636500"/>
+            <a:ext cx="1487400" cy="315600"/>
+          </a:xfrm>
+          <a:prstGeom prst="rect">
+            <a:avLst/>
+          </a:prstGeom>
+        </p:spPr>
+        <p:txBody>
+          <a:bodyPr spcFirstLastPara="1" wrap="square" lIns="91425" tIns="91425" rIns="91425" bIns="91425" anchor="ctr" anchorCtr="0">
+            <a:noAutofit/>
+          </a:bodyPr>
+          <a:lstStyle/>
+          <a:p>
+            <a:pPr marL="0" lvl="0" indent="0" algn="r" rtl="0">
+              <a:spcBef>
+                <a:spcPts val="0"/>
+              </a:spcBef>
+              <a:spcAft>
+                <a:spcPts val="0"/>
+              </a:spcAft>
+              <a:buNone/>
+            </a:pPr>
+            <a:fld id="{00000000-1234-1234-1234-123412341234}" type="slidenum">
+              <a:rPr lang="en"/>
+              <a:t>30</a:t>
+            </a:fld>
+            <a:endParaRPr/>
+          </a:p>
+        </p:txBody>
+      </p:sp>
+      <p:sp>
+        <p:nvSpPr>
+          <p:cNvPr id="224" name="Google Shape;224;p14"/>
+          <p:cNvSpPr txBox="1"/>
+          <p:nvPr/>
+        </p:nvSpPr>
+        <p:spPr>
+          <a:xfrm>
+            <a:off x="283051" y="0"/>
+            <a:ext cx="2181600" cy="3136200"/>
+          </a:xfrm>
+          <a:prstGeom prst="rect">
+            <a:avLst/>
+          </a:prstGeom>
+          <a:noFill/>
+          <a:ln>
+            <a:noFill/>
+          </a:ln>
+        </p:spPr>
+        <p:txBody>
+          <a:bodyPr spcFirstLastPara="1" wrap="square" lIns="91425" tIns="91425" rIns="91425" bIns="91425" anchor="b" anchorCtr="0">
+            <a:noAutofit/>
+          </a:bodyPr>
+          <a:lstStyle/>
+          <a:p>
+            <a:pPr marL="0" lvl="0" indent="0" algn="l" rtl="0">
+              <a:spcBef>
+                <a:spcPts val="0"/>
+              </a:spcBef>
+              <a:spcAft>
+                <a:spcPts val="0"/>
+              </a:spcAft>
+              <a:buNone/>
+            </a:pPr>
+            <a:r>
+              <a:rPr lang="en" sz="12000" b="1">
+                <a:solidFill>
+                  <a:srgbClr val="3F5378"/>
+                </a:solidFill>
+                <a:latin typeface="Roboto Condensed"/>
+                <a:ea typeface="Roboto Condensed"/>
+                <a:cs typeface="Roboto Condensed"/>
+              </a:rPr>
+              <a:t>7</a:t>
+            </a:r>
+          </a:p>
+        </p:txBody>
+      </p:sp>
+    </p:spTree>
+    <p:extLst>
+      <p:ext uri="{BB962C8B-B14F-4D97-AF65-F5344CB8AC3E}">
+        <p14:creationId xmlns:p14="http://schemas.microsoft.com/office/powerpoint/2010/main" val="3107837220"/>
+      </p:ext>
+    </p:extLst>
+  </p:cSld>
+  <p:clrMapOvr>
+    <a:masterClrMapping/>
+  </p:clrMapOvr>
+</p:sld>
+</file>
+
+<file path=ppt/slides/slide31.xml><?xml version="1.0" encoding="utf-8"?>
+<p:sld xmlns:a="http://schemas.openxmlformats.org/drawingml/2006/main" xmlns:r="http://schemas.openxmlformats.org/officeDocument/2006/relationships" xmlns:p="http://schemas.openxmlformats.org/presentationml/2006/main">
+  <p:cSld>
+    <p:spTree>
+      <p:nvGrpSpPr>
         <p:cNvPr id="1" name=""/>
         <p:cNvGrpSpPr/>
         <p:nvPr/>
@@ -29844,7 +29992,7 @@
             </a:pPr>
             <a:fld id="{00000000-1234-1234-1234-123412341234}" type="slidenum">
               <a:rPr lang="es-ES"/>
-              <a:t>30</a:t>
+              <a:t>31</a:t>
             </a:fld>
             <a:endParaRPr lang="es-ES"/>
           </a:p>
@@ -29953,7 +30101,7 @@
 </p:sld>
 </file>
 
-<file path=ppt/slides/slide31.xml><?xml version="1.0" encoding="utf-8"?>
+<file path=ppt/slides/slide32.xml><?xml version="1.0" encoding="utf-8"?>
 <p:sld xmlns:a="http://schemas.openxmlformats.org/drawingml/2006/main" xmlns:r="http://schemas.openxmlformats.org/officeDocument/2006/relationships" xmlns:p="http://schemas.openxmlformats.org/presentationml/2006/main">
   <p:cSld>
     <p:spTree>
@@ -30116,7 +30264,7 @@
             </a:pPr>
             <a:fld id="{00000000-1234-1234-1234-123412341234}" type="slidenum">
               <a:rPr lang="es-ES"/>
-              <a:t>31</a:t>
+              <a:t>32</a:t>
             </a:fld>
             <a:endParaRPr lang="es-ES"/>
           </a:p>
@@ -30225,7 +30373,7 @@
 </p:sld>
 </file>
 
-<file path=ppt/slides/slide32.xml><?xml version="1.0" encoding="utf-8"?>
+<file path=ppt/slides/slide33.xml><?xml version="1.0" encoding="utf-8"?>
 <p:sld xmlns:a="http://schemas.openxmlformats.org/drawingml/2006/main" xmlns:r="http://schemas.openxmlformats.org/officeDocument/2006/relationships" xmlns:p="http://schemas.openxmlformats.org/presentationml/2006/main">
   <p:cSld>
     <p:spTree>
@@ -30310,7 +30458,7 @@
             </a:pPr>
             <a:fld id="{00000000-1234-1234-1234-123412341234}" type="slidenum">
               <a:rPr lang="en"/>
-              <a:t>32</a:t>
+              <a:t>33</a:t>
             </a:fld>
             <a:endParaRPr/>
           </a:p>
@@ -30703,7 +30851,7 @@
               <a:buSzPts val="1100"/>
             </a:pPr>
             <a:r>
-              <a:rPr lang="en" sz="2000" b="1">
+              <a:rPr lang="en" sz="2000" b="1" dirty="0">
                 <a:solidFill>
                   <a:srgbClr val="FF9800"/>
                 </a:solidFill>
@@ -30719,16 +30867,8 @@
               <a:buSzPts val="1100"/>
             </a:pPr>
             <a:r>
-              <a:rPr lang="en" sz="1800" b="1"/>
-              <a:t>Rubén Rodriguez Cabañas (</a:t>
-            </a:r>
-            <a:r>
-              <a:rPr lang="en" sz="1800" b="1" err="1"/>
-              <a:t>Coordinador</a:t>
-            </a:r>
-            <a:r>
-              <a:rPr lang="en" sz="1800" b="1"/>
-              <a:t>)</a:t>
+              <a:rPr lang="en" sz="1800" b="1" dirty="0"/>
+              <a:t>Rubén Rodriguez Cabañas (Coordinador)</a:t>
             </a:r>
           </a:p>
           <a:p>
@@ -30739,51 +30879,30 @@
               <a:buSzPts val="1100"/>
             </a:pPr>
             <a:r>
-              <a:rPr lang="en" sz="1800" b="1"/>
-              <a:t>Lucia Hurtado de Mendoza </a:t>
-            </a:r>
-            <a:r>
-              <a:rPr lang="en" sz="1800" b="1" err="1"/>
-              <a:t>Burguillo</a:t>
-            </a:r>
-            <a:endParaRPr lang="en" sz="1800" b="1"/>
+              <a:rPr lang="en" sz="1800" b="1" dirty="0"/>
+              <a:t>Lucia Hurtado de Mendoza Burguillo</a:t>
+            </a:r>
           </a:p>
           <a:p>
             <a:r>
-              <a:rPr lang="en" sz="1800" b="1"/>
-              <a:t>Laura </a:t>
-            </a:r>
-            <a:r>
-              <a:rPr lang="en" sz="1800" b="1" err="1"/>
-              <a:t>Cercas</a:t>
-            </a:r>
-            <a:r>
-              <a:rPr lang="en" sz="1800" b="1"/>
-              <a:t> Ramos</a:t>
+              <a:rPr lang="en" sz="1800" b="1" dirty="0"/>
+              <a:t>Laura Cercas Ramos</a:t>
             </a:r>
           </a:p>
           <a:p>
             <a:r>
-              <a:rPr lang="en" sz="1800" b="1"/>
+              <a:rPr lang="en" sz="1800" b="1" dirty="0"/>
               <a:t>Marta Pérez Serrano</a:t>
             </a:r>
           </a:p>
           <a:p>
             <a:r>
-              <a:rPr lang="en" sz="1800" b="1"/>
-              <a:t>Alejandro </a:t>
-            </a:r>
-            <a:r>
-              <a:rPr lang="en" sz="1800" b="1" err="1"/>
-              <a:t>Meijide</a:t>
-            </a:r>
-            <a:r>
-              <a:rPr lang="en" sz="1800" b="1"/>
-              <a:t> Raimondi</a:t>
+              <a:rPr lang="en" sz="1800" b="1" dirty="0"/>
+              <a:t>Alejandro Meijide Raimondi</a:t>
             </a:r>
           </a:p>
           <a:p>
-            <a:endParaRPr lang="es-ES" sz="1200" b="1"/>
+            <a:endParaRPr lang="es-ES" sz="1200" b="1" dirty="0"/>
           </a:p>
           <a:p>
             <a:pPr>
@@ -30791,304 +30910,7 @@
                 <a:spcPts val="1000"/>
               </a:spcAft>
             </a:pPr>
-            <a:endParaRPr lang="es-ES"/>
-          </a:p>
-        </p:txBody>
-      </p:sp>
-      <p:sp>
-        <p:nvSpPr>
-          <p:cNvPr id="8" name="Google Shape;193;p12">
-            <a:extLst>
-              <a:ext uri="{FF2B5EF4-FFF2-40B4-BE49-F238E27FC236}">
-                <a16:creationId xmlns:a16="http://schemas.microsoft.com/office/drawing/2014/main" id="{6B696AF6-15EA-4725-9826-E73E81B3A13B}"/>
-              </a:ext>
-            </a:extLst>
-          </p:cNvPr>
-          <p:cNvSpPr txBox="1">
-            <a:spLocks/>
-          </p:cNvSpPr>
-          <p:nvPr/>
-        </p:nvSpPr>
-        <p:spPr>
-          <a:xfrm>
-            <a:off x="854381" y="2967635"/>
-            <a:ext cx="6543378" cy="1755900"/>
-          </a:xfrm>
-          <a:prstGeom prst="rect">
-            <a:avLst/>
-          </a:prstGeom>
-        </p:spPr>
-        <p:txBody>
-          <a:bodyPr spcFirstLastPara="1" wrap="square" lIns="91425" tIns="91425" rIns="91425" bIns="91425" anchor="t" anchorCtr="0">
-            <a:noAutofit/>
-          </a:bodyPr>
-          <a:lstStyle>
-            <a:defPPr marR="0" lvl="0" algn="l" rtl="0">
-              <a:lnSpc>
-                <a:spcPct val="100000"/>
-              </a:lnSpc>
-              <a:spcBef>
-                <a:spcPts val="0"/>
-              </a:spcBef>
-              <a:spcAft>
-                <a:spcPts val="0"/>
-              </a:spcAft>
-            </a:defPPr>
-            <a:lvl1pPr marR="0" lvl="0" algn="l" rtl="0">
-              <a:lnSpc>
-                <a:spcPct val="100000"/>
-              </a:lnSpc>
-              <a:spcBef>
-                <a:spcPts val="0"/>
-              </a:spcBef>
-              <a:spcAft>
-                <a:spcPts val="0"/>
-              </a:spcAft>
-              <a:buClr>
-                <a:srgbClr val="000000"/>
-              </a:buClr>
-              <a:buFont typeface="Arial"/>
-              <a:defRPr sz="1400" b="0" i="0" u="none" strike="noStrike" cap="none">
-                <a:solidFill>
-                  <a:srgbClr val="000000"/>
-                </a:solidFill>
-                <a:latin typeface="Arial"/>
-                <a:ea typeface="Arial"/>
-                <a:cs typeface="Arial"/>
-                <a:sym typeface="Arial"/>
-              </a:defRPr>
-            </a:lvl1pPr>
-            <a:lvl2pPr marR="0" lvl="1" algn="l" rtl="0">
-              <a:lnSpc>
-                <a:spcPct val="100000"/>
-              </a:lnSpc>
-              <a:spcBef>
-                <a:spcPts val="0"/>
-              </a:spcBef>
-              <a:spcAft>
-                <a:spcPts val="0"/>
-              </a:spcAft>
-              <a:buClr>
-                <a:srgbClr val="000000"/>
-              </a:buClr>
-              <a:buFont typeface="Arial"/>
-              <a:defRPr sz="1400" b="0" i="0" u="none" strike="noStrike" cap="none">
-                <a:solidFill>
-                  <a:srgbClr val="000000"/>
-                </a:solidFill>
-                <a:latin typeface="Arial"/>
-                <a:ea typeface="Arial"/>
-                <a:cs typeface="Arial"/>
-                <a:sym typeface="Arial"/>
-              </a:defRPr>
-            </a:lvl2pPr>
-            <a:lvl3pPr marR="0" lvl="2" algn="l" rtl="0">
-              <a:lnSpc>
-                <a:spcPct val="100000"/>
-              </a:lnSpc>
-              <a:spcBef>
-                <a:spcPts val="0"/>
-              </a:spcBef>
-              <a:spcAft>
-                <a:spcPts val="0"/>
-              </a:spcAft>
-              <a:buClr>
-                <a:srgbClr val="000000"/>
-              </a:buClr>
-              <a:buFont typeface="Arial"/>
-              <a:defRPr sz="1400" b="0" i="0" u="none" strike="noStrike" cap="none">
-                <a:solidFill>
-                  <a:srgbClr val="000000"/>
-                </a:solidFill>
-                <a:latin typeface="Arial"/>
-                <a:ea typeface="Arial"/>
-                <a:cs typeface="Arial"/>
-                <a:sym typeface="Arial"/>
-              </a:defRPr>
-            </a:lvl3pPr>
-            <a:lvl4pPr marR="0" lvl="3" algn="l" rtl="0">
-              <a:lnSpc>
-                <a:spcPct val="100000"/>
-              </a:lnSpc>
-              <a:spcBef>
-                <a:spcPts val="0"/>
-              </a:spcBef>
-              <a:spcAft>
-                <a:spcPts val="0"/>
-              </a:spcAft>
-              <a:buClr>
-                <a:srgbClr val="000000"/>
-              </a:buClr>
-              <a:buFont typeface="Arial"/>
-              <a:defRPr sz="1400" b="0" i="0" u="none" strike="noStrike" cap="none">
-                <a:solidFill>
-                  <a:srgbClr val="000000"/>
-                </a:solidFill>
-                <a:latin typeface="Arial"/>
-                <a:ea typeface="Arial"/>
-                <a:cs typeface="Arial"/>
-                <a:sym typeface="Arial"/>
-              </a:defRPr>
-            </a:lvl4pPr>
-            <a:lvl5pPr marR="0" lvl="4" algn="l" rtl="0">
-              <a:lnSpc>
-                <a:spcPct val="100000"/>
-              </a:lnSpc>
-              <a:spcBef>
-                <a:spcPts val="0"/>
-              </a:spcBef>
-              <a:spcAft>
-                <a:spcPts val="0"/>
-              </a:spcAft>
-              <a:buClr>
-                <a:srgbClr val="000000"/>
-              </a:buClr>
-              <a:buFont typeface="Arial"/>
-              <a:defRPr sz="1400" b="0" i="0" u="none" strike="noStrike" cap="none">
-                <a:solidFill>
-                  <a:srgbClr val="000000"/>
-                </a:solidFill>
-                <a:latin typeface="Arial"/>
-                <a:ea typeface="Arial"/>
-                <a:cs typeface="Arial"/>
-                <a:sym typeface="Arial"/>
-              </a:defRPr>
-            </a:lvl5pPr>
-            <a:lvl6pPr marR="0" lvl="5" algn="l" rtl="0">
-              <a:lnSpc>
-                <a:spcPct val="100000"/>
-              </a:lnSpc>
-              <a:spcBef>
-                <a:spcPts val="0"/>
-              </a:spcBef>
-              <a:spcAft>
-                <a:spcPts val="0"/>
-              </a:spcAft>
-              <a:buClr>
-                <a:srgbClr val="000000"/>
-              </a:buClr>
-              <a:buFont typeface="Arial"/>
-              <a:defRPr sz="1400" b="0" i="0" u="none" strike="noStrike" cap="none">
-                <a:solidFill>
-                  <a:srgbClr val="000000"/>
-                </a:solidFill>
-                <a:latin typeface="Arial"/>
-                <a:ea typeface="Arial"/>
-                <a:cs typeface="Arial"/>
-                <a:sym typeface="Arial"/>
-              </a:defRPr>
-            </a:lvl6pPr>
-            <a:lvl7pPr marR="0" lvl="6" algn="l" rtl="0">
-              <a:lnSpc>
-                <a:spcPct val="100000"/>
-              </a:lnSpc>
-              <a:spcBef>
-                <a:spcPts val="0"/>
-              </a:spcBef>
-              <a:spcAft>
-                <a:spcPts val="0"/>
-              </a:spcAft>
-              <a:buClr>
-                <a:srgbClr val="000000"/>
-              </a:buClr>
-              <a:buFont typeface="Arial"/>
-              <a:defRPr sz="1400" b="0" i="0" u="none" strike="noStrike" cap="none">
-                <a:solidFill>
-                  <a:srgbClr val="000000"/>
-                </a:solidFill>
-                <a:latin typeface="Arial"/>
-                <a:ea typeface="Arial"/>
-                <a:cs typeface="Arial"/>
-                <a:sym typeface="Arial"/>
-              </a:defRPr>
-            </a:lvl7pPr>
-            <a:lvl8pPr marR="0" lvl="7" algn="l" rtl="0">
-              <a:lnSpc>
-                <a:spcPct val="100000"/>
-              </a:lnSpc>
-              <a:spcBef>
-                <a:spcPts val="0"/>
-              </a:spcBef>
-              <a:spcAft>
-                <a:spcPts val="0"/>
-              </a:spcAft>
-              <a:buClr>
-                <a:srgbClr val="000000"/>
-              </a:buClr>
-              <a:buFont typeface="Arial"/>
-              <a:defRPr sz="1400" b="0" i="0" u="none" strike="noStrike" cap="none">
-                <a:solidFill>
-                  <a:srgbClr val="000000"/>
-                </a:solidFill>
-                <a:latin typeface="Arial"/>
-                <a:ea typeface="Arial"/>
-                <a:cs typeface="Arial"/>
-                <a:sym typeface="Arial"/>
-              </a:defRPr>
-            </a:lvl8pPr>
-            <a:lvl9pPr marR="0" lvl="8" algn="l" rtl="0">
-              <a:lnSpc>
-                <a:spcPct val="100000"/>
-              </a:lnSpc>
-              <a:spcBef>
-                <a:spcPts val="0"/>
-              </a:spcBef>
-              <a:spcAft>
-                <a:spcPts val="0"/>
-              </a:spcAft>
-              <a:buClr>
-                <a:srgbClr val="000000"/>
-              </a:buClr>
-              <a:buFont typeface="Arial"/>
-              <a:defRPr sz="1400" b="0" i="0" u="none" strike="noStrike" cap="none">
-                <a:solidFill>
-                  <a:srgbClr val="000000"/>
-                </a:solidFill>
-                <a:latin typeface="Arial"/>
-                <a:ea typeface="Arial"/>
-                <a:cs typeface="Arial"/>
-                <a:sym typeface="Arial"/>
-              </a:defRPr>
-            </a:lvl9pPr>
-          </a:lstStyle>
-          <a:p>
-            <a:pPr>
-              <a:spcBef>
-                <a:spcPts val="600"/>
-              </a:spcBef>
-              <a:buClr>
-                <a:schemeClr val="dk1"/>
-              </a:buClr>
-              <a:buSzPts val="1100"/>
-            </a:pPr>
-            <a:r>
-              <a:rPr lang="en" sz="2000" b="1">
-                <a:solidFill>
-                  <a:srgbClr val="FF9800"/>
-                </a:solidFill>
-              </a:rPr>
-              <a:t>GANNTPRO</a:t>
-            </a:r>
-          </a:p>
-          <a:p>
-            <a:pPr>
-              <a:buClr>
-                <a:schemeClr val="dk1"/>
-              </a:buClr>
-              <a:buSzPts val="1100"/>
-            </a:pPr>
-            <a:endParaRPr lang="en" sz="1800" b="1"/>
-          </a:p>
-          <a:p>
-            <a:endParaRPr lang="es-ES" sz="1200" b="1"/>
-          </a:p>
-          <a:p>
-            <a:pPr>
-              <a:spcAft>
-                <a:spcPts val="1000"/>
-              </a:spcAft>
-            </a:pPr>
-            <a:endParaRPr lang="es-ES" b="1"/>
+            <a:endParaRPr lang="es-ES" dirty="0"/>
           </a:p>
         </p:txBody>
       </p:sp>
@@ -31415,6 +31237,409 @@
 </file>
 
 <file path=ppt/slides/slide5.xml><?xml version="1.0" encoding="utf-8"?>
+<p:sld xmlns:a="http://schemas.openxmlformats.org/drawingml/2006/main" xmlns:r="http://schemas.openxmlformats.org/officeDocument/2006/relationships" xmlns:p="http://schemas.openxmlformats.org/presentationml/2006/main">
+  <p:cSld>
+    <p:spTree>
+      <p:nvGrpSpPr>
+        <p:cNvPr id="1" name="Shape 485"/>
+        <p:cNvGrpSpPr/>
+        <p:nvPr/>
+      </p:nvGrpSpPr>
+      <p:grpSpPr>
+        <a:xfrm>
+          <a:off x="0" y="0"/>
+          <a:ext cx="0" cy="0"/>
+          <a:chOff x="0" y="0"/>
+          <a:chExt cx="0" cy="0"/>
+        </a:xfrm>
+      </p:grpSpPr>
+      <p:sp>
+        <p:nvSpPr>
+          <p:cNvPr id="488" name="Google Shape;488;p32"/>
+          <p:cNvSpPr txBox="1">
+            <a:spLocks noGrp="1"/>
+          </p:cNvSpPr>
+          <p:nvPr>
+            <p:ph type="sldNum" idx="12"/>
+          </p:nvPr>
+        </p:nvSpPr>
+        <p:spPr>
+          <a:xfrm>
+            <a:off x="7618000" y="4636500"/>
+            <a:ext cx="1487400" cy="315600"/>
+          </a:xfrm>
+          <a:prstGeom prst="rect">
+            <a:avLst/>
+          </a:prstGeom>
+        </p:spPr>
+        <p:txBody>
+          <a:bodyPr spcFirstLastPara="1" wrap="square" lIns="91425" tIns="91425" rIns="91425" bIns="91425" anchor="ctr" anchorCtr="0">
+            <a:noAutofit/>
+          </a:bodyPr>
+          <a:lstStyle/>
+          <a:p>
+            <a:pPr marL="0" lvl="0" indent="0" algn="r" rtl="0">
+              <a:spcBef>
+                <a:spcPts val="0"/>
+              </a:spcBef>
+              <a:spcAft>
+                <a:spcPts val="0"/>
+              </a:spcAft>
+              <a:buNone/>
+            </a:pPr>
+            <a:fld id="{00000000-1234-1234-1234-123412341234}" type="slidenum">
+              <a:rPr lang="en"/>
+              <a:t>5</a:t>
+            </a:fld>
+            <a:endParaRPr/>
+          </a:p>
+        </p:txBody>
+      </p:sp>
+      <p:sp>
+        <p:nvSpPr>
+          <p:cNvPr id="8" name="Google Shape;193;p12">
+            <a:extLst>
+              <a:ext uri="{FF2B5EF4-FFF2-40B4-BE49-F238E27FC236}">
+                <a16:creationId xmlns:a16="http://schemas.microsoft.com/office/drawing/2014/main" id="{6B696AF6-15EA-4725-9826-E73E81B3A13B}"/>
+              </a:ext>
+            </a:extLst>
+          </p:cNvPr>
+          <p:cNvSpPr txBox="1">
+            <a:spLocks/>
+          </p:cNvSpPr>
+          <p:nvPr/>
+        </p:nvSpPr>
+        <p:spPr>
+          <a:xfrm>
+            <a:off x="685332" y="815850"/>
+            <a:ext cx="6543378" cy="1755900"/>
+          </a:xfrm>
+          <a:prstGeom prst="rect">
+            <a:avLst/>
+          </a:prstGeom>
+        </p:spPr>
+        <p:txBody>
+          <a:bodyPr spcFirstLastPara="1" wrap="square" lIns="91425" tIns="91425" rIns="91425" bIns="91425" anchor="t" anchorCtr="0">
+            <a:noAutofit/>
+          </a:bodyPr>
+          <a:lstStyle>
+            <a:defPPr marR="0" lvl="0" algn="l" rtl="0">
+              <a:lnSpc>
+                <a:spcPct val="100000"/>
+              </a:lnSpc>
+              <a:spcBef>
+                <a:spcPts val="0"/>
+              </a:spcBef>
+              <a:spcAft>
+                <a:spcPts val="0"/>
+              </a:spcAft>
+            </a:defPPr>
+            <a:lvl1pPr marR="0" lvl="0" algn="l" rtl="0">
+              <a:lnSpc>
+                <a:spcPct val="100000"/>
+              </a:lnSpc>
+              <a:spcBef>
+                <a:spcPts val="0"/>
+              </a:spcBef>
+              <a:spcAft>
+                <a:spcPts val="0"/>
+              </a:spcAft>
+              <a:buClr>
+                <a:srgbClr val="000000"/>
+              </a:buClr>
+              <a:buFont typeface="Arial"/>
+              <a:defRPr sz="1400" b="0" i="0" u="none" strike="noStrike" cap="none">
+                <a:solidFill>
+                  <a:srgbClr val="000000"/>
+                </a:solidFill>
+                <a:latin typeface="Arial"/>
+                <a:ea typeface="Arial"/>
+                <a:cs typeface="Arial"/>
+                <a:sym typeface="Arial"/>
+              </a:defRPr>
+            </a:lvl1pPr>
+            <a:lvl2pPr marR="0" lvl="1" algn="l" rtl="0">
+              <a:lnSpc>
+                <a:spcPct val="100000"/>
+              </a:lnSpc>
+              <a:spcBef>
+                <a:spcPts val="0"/>
+              </a:spcBef>
+              <a:spcAft>
+                <a:spcPts val="0"/>
+              </a:spcAft>
+              <a:buClr>
+                <a:srgbClr val="000000"/>
+              </a:buClr>
+              <a:buFont typeface="Arial"/>
+              <a:defRPr sz="1400" b="0" i="0" u="none" strike="noStrike" cap="none">
+                <a:solidFill>
+                  <a:srgbClr val="000000"/>
+                </a:solidFill>
+                <a:latin typeface="Arial"/>
+                <a:ea typeface="Arial"/>
+                <a:cs typeface="Arial"/>
+                <a:sym typeface="Arial"/>
+              </a:defRPr>
+            </a:lvl2pPr>
+            <a:lvl3pPr marR="0" lvl="2" algn="l" rtl="0">
+              <a:lnSpc>
+                <a:spcPct val="100000"/>
+              </a:lnSpc>
+              <a:spcBef>
+                <a:spcPts val="0"/>
+              </a:spcBef>
+              <a:spcAft>
+                <a:spcPts val="0"/>
+              </a:spcAft>
+              <a:buClr>
+                <a:srgbClr val="000000"/>
+              </a:buClr>
+              <a:buFont typeface="Arial"/>
+              <a:defRPr sz="1400" b="0" i="0" u="none" strike="noStrike" cap="none">
+                <a:solidFill>
+                  <a:srgbClr val="000000"/>
+                </a:solidFill>
+                <a:latin typeface="Arial"/>
+                <a:ea typeface="Arial"/>
+                <a:cs typeface="Arial"/>
+                <a:sym typeface="Arial"/>
+              </a:defRPr>
+            </a:lvl3pPr>
+            <a:lvl4pPr marR="0" lvl="3" algn="l" rtl="0">
+              <a:lnSpc>
+                <a:spcPct val="100000"/>
+              </a:lnSpc>
+              <a:spcBef>
+                <a:spcPts val="0"/>
+              </a:spcBef>
+              <a:spcAft>
+                <a:spcPts val="0"/>
+              </a:spcAft>
+              <a:buClr>
+                <a:srgbClr val="000000"/>
+              </a:buClr>
+              <a:buFont typeface="Arial"/>
+              <a:defRPr sz="1400" b="0" i="0" u="none" strike="noStrike" cap="none">
+                <a:solidFill>
+                  <a:srgbClr val="000000"/>
+                </a:solidFill>
+                <a:latin typeface="Arial"/>
+                <a:ea typeface="Arial"/>
+                <a:cs typeface="Arial"/>
+                <a:sym typeface="Arial"/>
+              </a:defRPr>
+            </a:lvl4pPr>
+            <a:lvl5pPr marR="0" lvl="4" algn="l" rtl="0">
+              <a:lnSpc>
+                <a:spcPct val="100000"/>
+              </a:lnSpc>
+              <a:spcBef>
+                <a:spcPts val="0"/>
+              </a:spcBef>
+              <a:spcAft>
+                <a:spcPts val="0"/>
+              </a:spcAft>
+              <a:buClr>
+                <a:srgbClr val="000000"/>
+              </a:buClr>
+              <a:buFont typeface="Arial"/>
+              <a:defRPr sz="1400" b="0" i="0" u="none" strike="noStrike" cap="none">
+                <a:solidFill>
+                  <a:srgbClr val="000000"/>
+                </a:solidFill>
+                <a:latin typeface="Arial"/>
+                <a:ea typeface="Arial"/>
+                <a:cs typeface="Arial"/>
+                <a:sym typeface="Arial"/>
+              </a:defRPr>
+            </a:lvl5pPr>
+            <a:lvl6pPr marR="0" lvl="5" algn="l" rtl="0">
+              <a:lnSpc>
+                <a:spcPct val="100000"/>
+              </a:lnSpc>
+              <a:spcBef>
+                <a:spcPts val="0"/>
+              </a:spcBef>
+              <a:spcAft>
+                <a:spcPts val="0"/>
+              </a:spcAft>
+              <a:buClr>
+                <a:srgbClr val="000000"/>
+              </a:buClr>
+              <a:buFont typeface="Arial"/>
+              <a:defRPr sz="1400" b="0" i="0" u="none" strike="noStrike" cap="none">
+                <a:solidFill>
+                  <a:srgbClr val="000000"/>
+                </a:solidFill>
+                <a:latin typeface="Arial"/>
+                <a:ea typeface="Arial"/>
+                <a:cs typeface="Arial"/>
+                <a:sym typeface="Arial"/>
+              </a:defRPr>
+            </a:lvl6pPr>
+            <a:lvl7pPr marR="0" lvl="6" algn="l" rtl="0">
+              <a:lnSpc>
+                <a:spcPct val="100000"/>
+              </a:lnSpc>
+              <a:spcBef>
+                <a:spcPts val="0"/>
+              </a:spcBef>
+              <a:spcAft>
+                <a:spcPts val="0"/>
+              </a:spcAft>
+              <a:buClr>
+                <a:srgbClr val="000000"/>
+              </a:buClr>
+              <a:buFont typeface="Arial"/>
+              <a:defRPr sz="1400" b="0" i="0" u="none" strike="noStrike" cap="none">
+                <a:solidFill>
+                  <a:srgbClr val="000000"/>
+                </a:solidFill>
+                <a:latin typeface="Arial"/>
+                <a:ea typeface="Arial"/>
+                <a:cs typeface="Arial"/>
+                <a:sym typeface="Arial"/>
+              </a:defRPr>
+            </a:lvl7pPr>
+            <a:lvl8pPr marR="0" lvl="7" algn="l" rtl="0">
+              <a:lnSpc>
+                <a:spcPct val="100000"/>
+              </a:lnSpc>
+              <a:spcBef>
+                <a:spcPts val="0"/>
+              </a:spcBef>
+              <a:spcAft>
+                <a:spcPts val="0"/>
+              </a:spcAft>
+              <a:buClr>
+                <a:srgbClr val="000000"/>
+              </a:buClr>
+              <a:buFont typeface="Arial"/>
+              <a:defRPr sz="1400" b="0" i="0" u="none" strike="noStrike" cap="none">
+                <a:solidFill>
+                  <a:srgbClr val="000000"/>
+                </a:solidFill>
+                <a:latin typeface="Arial"/>
+                <a:ea typeface="Arial"/>
+                <a:cs typeface="Arial"/>
+                <a:sym typeface="Arial"/>
+              </a:defRPr>
+            </a:lvl8pPr>
+            <a:lvl9pPr marR="0" lvl="8" algn="l" rtl="0">
+              <a:lnSpc>
+                <a:spcPct val="100000"/>
+              </a:lnSpc>
+              <a:spcBef>
+                <a:spcPts val="0"/>
+              </a:spcBef>
+              <a:spcAft>
+                <a:spcPts val="0"/>
+              </a:spcAft>
+              <a:buClr>
+                <a:srgbClr val="000000"/>
+              </a:buClr>
+              <a:buFont typeface="Arial"/>
+              <a:defRPr sz="1400" b="0" i="0" u="none" strike="noStrike" cap="none">
+                <a:solidFill>
+                  <a:srgbClr val="000000"/>
+                </a:solidFill>
+                <a:latin typeface="Arial"/>
+                <a:ea typeface="Arial"/>
+                <a:cs typeface="Arial"/>
+                <a:sym typeface="Arial"/>
+              </a:defRPr>
+            </a:lvl9pPr>
+          </a:lstStyle>
+          <a:p>
+            <a:pPr>
+              <a:spcBef>
+                <a:spcPts val="600"/>
+              </a:spcBef>
+              <a:buClr>
+                <a:schemeClr val="dk1"/>
+              </a:buClr>
+              <a:buSzPts val="1100"/>
+            </a:pPr>
+            <a:r>
+              <a:rPr lang="en" sz="2000" b="1" dirty="0">
+                <a:solidFill>
+                  <a:srgbClr val="FF9800"/>
+                </a:solidFill>
+              </a:rPr>
+              <a:t>GANNTPRO</a:t>
+            </a:r>
+          </a:p>
+          <a:p>
+            <a:pPr>
+              <a:buClr>
+                <a:schemeClr val="dk1"/>
+              </a:buClr>
+              <a:buSzPts val="1100"/>
+            </a:pPr>
+            <a:endParaRPr lang="en" sz="1800" b="1" dirty="0"/>
+          </a:p>
+          <a:p>
+            <a:endParaRPr lang="es-ES" sz="1200" b="1" dirty="0"/>
+          </a:p>
+          <a:p>
+            <a:pPr>
+              <a:spcAft>
+                <a:spcPts val="1000"/>
+              </a:spcAft>
+            </a:pPr>
+            <a:endParaRPr lang="es-ES" b="1" dirty="0"/>
+          </a:p>
+        </p:txBody>
+      </p:sp>
+      <p:pic>
+        <p:nvPicPr>
+          <p:cNvPr id="6" name="Imagen 5">
+            <a:extLst>
+              <a:ext uri="{FF2B5EF4-FFF2-40B4-BE49-F238E27FC236}">
+                <a16:creationId xmlns:a16="http://schemas.microsoft.com/office/drawing/2014/main" id="{802D3F64-F81F-47DF-9B59-20D4E899088B}"/>
+              </a:ext>
+            </a:extLst>
+          </p:cNvPr>
+          <p:cNvPicPr/>
+          <p:nvPr/>
+        </p:nvPicPr>
+        <p:blipFill>
+          <a:blip r:embed="rId3">
+            <a:extLst>
+              <a:ext uri="{28A0092B-C50C-407E-A947-70E740481C1C}">
+                <a14:useLocalDpi xmlns:a14="http://schemas.microsoft.com/office/drawing/2010/main" val="0"/>
+              </a:ext>
+            </a:extLst>
+          </a:blip>
+          <a:stretch>
+            <a:fillRect/>
+          </a:stretch>
+        </p:blipFill>
+        <p:spPr>
+          <a:xfrm>
+            <a:off x="743059" y="1446844"/>
+            <a:ext cx="6874941" cy="2842385"/>
+          </a:xfrm>
+          <a:prstGeom prst="rect">
+            <a:avLst/>
+          </a:prstGeom>
+        </p:spPr>
+      </p:pic>
+    </p:spTree>
+    <p:extLst>
+      <p:ext uri="{BB962C8B-B14F-4D97-AF65-F5344CB8AC3E}">
+        <p14:creationId xmlns:p14="http://schemas.microsoft.com/office/powerpoint/2010/main" val="2193141630"/>
+      </p:ext>
+    </p:extLst>
+  </p:cSld>
+  <p:clrMapOvr>
+    <a:masterClrMapping/>
+  </p:clrMapOvr>
+</p:sld>
+</file>
+
+<file path=ppt/slides/slide6.xml><?xml version="1.0" encoding="utf-8"?>
 <p:sld xmlns:a="http://schemas.openxmlformats.org/drawingml/2006/main" xmlns:r="http://schemas.openxmlformats.org/officeDocument/2006/relationships" xmlns:p="http://schemas.openxmlformats.org/presentationml/2006/main">
   <p:cSld>
     <p:spTree>
@@ -31500,7 +31725,7 @@
             </a:pPr>
             <a:fld id="{00000000-1234-1234-1234-123412341234}" type="slidenum">
               <a:rPr lang="en"/>
-              <a:t>5</a:t>
+              <a:t>6</a:t>
             </a:fld>
             <a:endParaRPr/>
           </a:p>
@@ -31597,7 +31822,7 @@
 </p:sld>
 </file>
 
-<file path=ppt/slides/slide6.xml><?xml version="1.0" encoding="utf-8"?>
+<file path=ppt/slides/slide7.xml><?xml version="1.0" encoding="utf-8"?>
 <p:sld xmlns:a="http://schemas.openxmlformats.org/drawingml/2006/main" xmlns:r="http://schemas.openxmlformats.org/officeDocument/2006/relationships" xmlns:p="http://schemas.openxmlformats.org/presentationml/2006/main">
   <p:cSld>
     <p:spTree>
@@ -31847,7 +32072,7 @@
             </a:pPr>
             <a:fld id="{00000000-1234-1234-1234-123412341234}" type="slidenum">
               <a:rPr lang="es-ES"/>
-              <a:t>6</a:t>
+              <a:t>7</a:t>
             </a:fld>
             <a:endParaRPr lang="es-ES"/>
           </a:p>
@@ -31866,7 +32091,7 @@
 </p:sld>
 </file>
 
-<file path=ppt/slides/slide7.xml><?xml version="1.0" encoding="utf-8"?>
+<file path=ppt/slides/slide8.xml><?xml version="1.0" encoding="utf-8"?>
 <p:sld xmlns:a="http://schemas.openxmlformats.org/drawingml/2006/main" xmlns:r="http://schemas.openxmlformats.org/officeDocument/2006/relationships" xmlns:p="http://schemas.openxmlformats.org/presentationml/2006/main">
   <p:cSld>
     <p:spTree>
@@ -32168,7 +32393,7 @@
             </a:pPr>
             <a:fld id="{00000000-1234-1234-1234-123412341234}" type="slidenum">
               <a:rPr lang="es-ES"/>
-              <a:t>7</a:t>
+              <a:t>8</a:t>
             </a:fld>
             <a:endParaRPr lang="es-ES"/>
           </a:p>
@@ -32293,7 +32518,7 @@
 </p:sld>
 </file>
 
-<file path=ppt/slides/slide8.xml><?xml version="1.0" encoding="utf-8"?>
+<file path=ppt/slides/slide9.xml><?xml version="1.0" encoding="utf-8"?>
 <p:sld xmlns:a="http://schemas.openxmlformats.org/drawingml/2006/main" xmlns:r="http://schemas.openxmlformats.org/officeDocument/2006/relationships" xmlns:p="http://schemas.openxmlformats.org/presentationml/2006/main">
   <p:cSld>
     <p:spTree>
@@ -32494,7 +32719,7 @@
             </a:pPr>
             <a:fld id="{00000000-1234-1234-1234-123412341234}" type="slidenum">
               <a:rPr lang="es-ES"/>
-              <a:t>8</a:t>
+              <a:t>9</a:t>
             </a:fld>
             <a:endParaRPr lang="es-ES"/>
           </a:p>
@@ -32622,179 +32847,6 @@
         <p14:creationId xmlns:p14="http://schemas.microsoft.com/office/powerpoint/2010/main" val="1166288106"/>
       </p:ext>
     </p:extLst>
-  </p:cSld>
-  <p:clrMapOvr>
-    <a:masterClrMapping/>
-  </p:clrMapOvr>
-</p:sld>
-</file>
-
-<file path=ppt/slides/slide9.xml><?xml version="1.0" encoding="utf-8"?>
-<p:sld xmlns:a="http://schemas.openxmlformats.org/drawingml/2006/main" xmlns:r="http://schemas.openxmlformats.org/officeDocument/2006/relationships" xmlns:p="http://schemas.openxmlformats.org/presentationml/2006/main">
-  <p:cSld>
-    <p:spTree>
-      <p:nvGrpSpPr>
-        <p:cNvPr id="1" name="Shape 220"/>
-        <p:cNvGrpSpPr/>
-        <p:nvPr/>
-      </p:nvGrpSpPr>
-      <p:grpSpPr>
-        <a:xfrm>
-          <a:off x="0" y="0"/>
-          <a:ext cx="0" cy="0"/>
-          <a:chOff x="0" y="0"/>
-          <a:chExt cx="0" cy="0"/>
-        </a:xfrm>
-      </p:grpSpPr>
-      <p:sp>
-        <p:nvSpPr>
-          <p:cNvPr id="221" name="Google Shape;221;p14"/>
-          <p:cNvSpPr txBox="1">
-            <a:spLocks noGrp="1"/>
-          </p:cNvSpPr>
-          <p:nvPr>
-            <p:ph type="ctrTitle"/>
-          </p:nvPr>
-        </p:nvSpPr>
-        <p:spPr>
-          <a:xfrm>
-            <a:off x="192814" y="2961385"/>
-            <a:ext cx="5558241" cy="1109669"/>
-          </a:xfrm>
-          <a:prstGeom prst="rect">
-            <a:avLst/>
-          </a:prstGeom>
-        </p:spPr>
-        <p:txBody>
-          <a:bodyPr spcFirstLastPara="1" wrap="square" lIns="91425" tIns="91425" rIns="91425" bIns="91425" anchor="b" anchorCtr="0">
-            <a:noAutofit/>
-          </a:bodyPr>
-          <a:lstStyle/>
-          <a:p>
-            <a:r>
-              <a:rPr lang="en"/>
-              <a:t>FUENTES DE INFORMACIÓN (DOCUMENTOS )</a:t>
-            </a:r>
-            <a:endParaRPr/>
-          </a:p>
-        </p:txBody>
-      </p:sp>
-      <p:sp>
-        <p:nvSpPr>
-          <p:cNvPr id="223" name="Google Shape;223;p14"/>
-          <p:cNvSpPr txBox="1">
-            <a:spLocks noGrp="1"/>
-          </p:cNvSpPr>
-          <p:nvPr>
-            <p:ph type="sldNum" idx="12"/>
-          </p:nvPr>
-        </p:nvSpPr>
-        <p:spPr>
-          <a:xfrm>
-            <a:off x="7618000" y="4636500"/>
-            <a:ext cx="1487400" cy="315600"/>
-          </a:xfrm>
-          <a:prstGeom prst="rect">
-            <a:avLst/>
-          </a:prstGeom>
-        </p:spPr>
-        <p:txBody>
-          <a:bodyPr spcFirstLastPara="1" wrap="square" lIns="91425" tIns="91425" rIns="91425" bIns="91425" anchor="ctr" anchorCtr="0">
-            <a:noAutofit/>
-          </a:bodyPr>
-          <a:lstStyle/>
-          <a:p>
-            <a:pPr marL="0" lvl="0" indent="0" algn="r" rtl="0">
-              <a:spcBef>
-                <a:spcPts val="0"/>
-              </a:spcBef>
-              <a:spcAft>
-                <a:spcPts val="0"/>
-              </a:spcAft>
-              <a:buNone/>
-            </a:pPr>
-            <a:fld id="{00000000-1234-1234-1234-123412341234}" type="slidenum">
-              <a:rPr lang="en"/>
-              <a:t>9</a:t>
-            </a:fld>
-            <a:endParaRPr/>
-          </a:p>
-        </p:txBody>
-      </p:sp>
-      <p:sp>
-        <p:nvSpPr>
-          <p:cNvPr id="224" name="Google Shape;224;p14"/>
-          <p:cNvSpPr txBox="1"/>
-          <p:nvPr/>
-        </p:nvSpPr>
-        <p:spPr>
-          <a:xfrm>
-            <a:off x="283051" y="0"/>
-            <a:ext cx="2181600" cy="3136200"/>
-          </a:xfrm>
-          <a:prstGeom prst="rect">
-            <a:avLst/>
-          </a:prstGeom>
-          <a:noFill/>
-          <a:ln>
-            <a:noFill/>
-          </a:ln>
-        </p:spPr>
-        <p:txBody>
-          <a:bodyPr spcFirstLastPara="1" wrap="square" lIns="91425" tIns="91425" rIns="91425" bIns="91425" anchor="b" anchorCtr="0">
-            <a:noAutofit/>
-          </a:bodyPr>
-          <a:lstStyle/>
-          <a:p>
-            <a:pPr marL="0" lvl="0" indent="0" algn="l" rtl="0">
-              <a:spcBef>
-                <a:spcPts val="0"/>
-              </a:spcBef>
-              <a:spcAft>
-                <a:spcPts val="0"/>
-              </a:spcAft>
-              <a:buNone/>
-            </a:pPr>
-            <a:r>
-              <a:rPr lang="en" sz="12000" b="1">
-                <a:solidFill>
-                  <a:srgbClr val="3F5378"/>
-                </a:solidFill>
-                <a:latin typeface="Roboto Condensed"/>
-                <a:ea typeface="Roboto Condensed"/>
-                <a:cs typeface="Roboto Condensed"/>
-              </a:rPr>
-              <a:t>3</a:t>
-            </a:r>
-          </a:p>
-        </p:txBody>
-      </p:sp>
-      <p:sp>
-        <p:nvSpPr>
-          <p:cNvPr id="3" name="Subtítulo 2">
-            <a:extLst>
-              <a:ext uri="{FF2B5EF4-FFF2-40B4-BE49-F238E27FC236}">
-                <a16:creationId xmlns:a16="http://schemas.microsoft.com/office/drawing/2014/main" id="{365584AD-2B37-4F19-92DE-289602B3C3A9}"/>
-              </a:ext>
-            </a:extLst>
-          </p:cNvPr>
-          <p:cNvSpPr>
-            <a:spLocks noGrp="1"/>
-          </p:cNvSpPr>
-          <p:nvPr>
-            <p:ph type="subTitle" idx="1"/>
-          </p:nvPr>
-        </p:nvSpPr>
-        <p:spPr/>
-        <p:txBody>
-          <a:bodyPr/>
-          <a:lstStyle/>
-          <a:p>
-            <a:endParaRPr lang="es-ES"/>
-          </a:p>
-        </p:txBody>
-      </p:sp>
-    </p:spTree>
   </p:cSld>
   <p:clrMapOvr>
     <a:masterClrMapping/>
